--- a/KMS-TC18-Ethereum.pptx
+++ b/KMS-TC18-Ethereum.pptx
@@ -8,7 +8,7 @@
     <p:notesMasterId r:id="rId14"/>
   </p:notesMasterIdLst>
   <p:sldIdLst>
-    <p:sldId id="256" r:id="rId2"/>
+    <p:sldId id="272" r:id="rId2"/>
     <p:sldId id="257" r:id="rId3"/>
     <p:sldId id="258" r:id="rId4"/>
     <p:sldId id="259" r:id="rId5"/>
@@ -1469,7 +1469,7 @@
   <p:cSld>
     <p:spTree>
       <p:nvGrpSpPr>
-        <p:cNvPr id="1" name="Shape 79"/>
+        <p:cNvPr id="1" name="Shape 920"/>
         <p:cNvGrpSpPr/>
         <p:nvPr/>
       </p:nvGrpSpPr>
@@ -1483,45 +1483,7 @@
       </p:grpSpPr>
       <p:sp>
         <p:nvSpPr>
-          <p:cNvPr id="80" name="Shape 80"/>
-          <p:cNvSpPr txBox="1">
-            <a:spLocks noGrp="1"/>
-          </p:cNvSpPr>
-          <p:nvPr>
-            <p:ph type="body" idx="1"/>
-          </p:nvPr>
-        </p:nvSpPr>
-        <p:spPr>
-          <a:xfrm>
-            <a:off x="685800" y="4343400"/>
-            <a:ext cx="5486400" cy="4114800"/>
-          </a:xfrm>
-          <a:prstGeom prst="rect">
-            <a:avLst/>
-          </a:prstGeom>
-        </p:spPr>
-        <p:txBody>
-          <a:bodyPr spcFirstLastPara="1" wrap="square" lIns="91425" tIns="91425" rIns="91425" bIns="91425" anchor="t" anchorCtr="0">
-            <a:noAutofit/>
-          </a:bodyPr>
-          <a:lstStyle/>
-          <a:p>
-            <a:pPr marL="0" lvl="0" indent="0">
-              <a:spcBef>
-                <a:spcPts val="0"/>
-              </a:spcBef>
-              <a:spcAft>
-                <a:spcPts val="0"/>
-              </a:spcAft>
-              <a:buNone/>
-            </a:pPr>
-            <a:endParaRPr/>
-          </a:p>
-        </p:txBody>
-      </p:sp>
-      <p:sp>
-        <p:nvSpPr>
-          <p:cNvPr id="81" name="Shape 81"/>
+          <p:cNvPr id="921" name="Shape 921"/>
           <p:cNvSpPr>
             <a:spLocks noGrp="1" noRot="1" noChangeAspect="1"/>
           </p:cNvSpPr>
@@ -1558,12 +1520,74 @@
               </a:path>
             </a:pathLst>
           </a:custGeom>
+          <a:noFill/>
+          <a:ln w="9525" cap="flat" cmpd="sng">
+            <a:solidFill>
+              <a:srgbClr val="000000"/>
+            </a:solidFill>
+            <a:prstDash val="solid"/>
+            <a:round/>
+            <a:headEnd type="none" w="med" len="med"/>
+            <a:tailEnd type="none" w="med" len="med"/>
+          </a:ln>
         </p:spPr>
+      </p:sp>
+      <p:sp>
+        <p:nvSpPr>
+          <p:cNvPr id="922" name="Shape 922"/>
+          <p:cNvSpPr txBox="1">
+            <a:spLocks noGrp="1"/>
+          </p:cNvSpPr>
+          <p:nvPr>
+            <p:ph type="body" idx="1"/>
+          </p:nvPr>
+        </p:nvSpPr>
+        <p:spPr>
+          <a:xfrm>
+            <a:off x="685800" y="4343400"/>
+            <a:ext cx="5486399" cy="4114800"/>
+          </a:xfrm>
+          <a:prstGeom prst="rect">
+            <a:avLst/>
+          </a:prstGeom>
+          <a:noFill/>
+          <a:ln>
+            <a:noFill/>
+          </a:ln>
+        </p:spPr>
+        <p:txBody>
+          <a:bodyPr wrap="square" lIns="91425" tIns="91425" rIns="91425" bIns="91425" anchor="t" anchorCtr="0">
+            <a:noAutofit/>
+          </a:bodyPr>
+          <a:lstStyle/>
+          <a:p>
+            <a:pPr marL="0" marR="0" lvl="0" indent="0" algn="l" rtl="0">
+              <a:spcBef>
+                <a:spcPts val="0"/>
+              </a:spcBef>
+              <a:buClr>
+                <a:schemeClr val="dk1"/>
+              </a:buClr>
+              <a:buSzPct val="25000"/>
+              <a:buFont typeface="Arial"/>
+              <a:buNone/>
+            </a:pPr>
+            <a:endParaRPr sz="1100" b="0" i="0" u="none" strike="noStrike" cap="none">
+              <a:solidFill>
+                <a:schemeClr val="dk1"/>
+              </a:solidFill>
+              <a:latin typeface="Arial"/>
+              <a:ea typeface="Arial"/>
+              <a:cs typeface="Arial"/>
+              <a:sym typeface="Arial"/>
+            </a:endParaRPr>
+          </a:p>
+        </p:txBody>
       </p:sp>
     </p:spTree>
     <p:extLst>
       <p:ext uri="{BB962C8B-B14F-4D97-AF65-F5344CB8AC3E}">
-        <p14:creationId xmlns:p14="http://schemas.microsoft.com/office/powerpoint/2010/main" val="3384059000"/>
+        <p14:creationId xmlns:p14="http://schemas.microsoft.com/office/powerpoint/2010/main" val="3667796569"/>
       </p:ext>
     </p:extLst>
   </p:cSld>
@@ -2345,33 +2369,7 @@
                 <a:cs typeface="Calibri"/>
                 <a:sym typeface="Calibri"/>
               </a:rPr>
-              <a:t> </a:t>
-            </a:r>
-            <a:r>
-              <a:rPr lang="vi-VN" sz="1200" b="0" i="0" u="none" strike="noStrike" cap="none" dirty="0" smtClean="0">
-                <a:solidFill>
-                  <a:schemeClr val="dk1"/>
-                </a:solidFill>
-                <a:effectLst/>
-                <a:latin typeface="Calibri"/>
-                <a:ea typeface="Calibri"/>
-                <a:cs typeface="Calibri"/>
-                <a:sym typeface="Calibri"/>
-              </a:rPr>
-              <a:t>để lưu trữ dữ liệu được mã hóa theo thời gian thực, và một khi dữ liệu đã được lưu vào thì không thể xóa đi hoặc thay đổi</a:t>
-            </a:r>
-            <a:r>
-              <a:rPr lang="vi-VN" sz="1200" b="0" i="0" u="none" strike="noStrike" cap="none" dirty="0" smtClean="0">
-                <a:solidFill>
-                  <a:schemeClr val="dk1"/>
-                </a:solidFill>
-                <a:effectLst/>
-                <a:latin typeface="Calibri"/>
-                <a:ea typeface="Calibri"/>
-                <a:cs typeface="Calibri"/>
-                <a:sym typeface="Calibri"/>
-              </a:rPr>
-              <a:t>.</a:t>
+              <a:t> để lưu trữ dữ liệu được mã hóa theo thời gian thực, và một khi dữ liệu đã được lưu vào thì không thể xóa đi hoặc thay đổi.</a:t>
             </a:r>
             <a:endParaRPr lang="en-US" sz="1200" b="0" i="0" u="none" strike="noStrike" cap="none" dirty="0" smtClean="0">
               <a:solidFill>
@@ -2989,20 +2987,7 @@
                 <a:cs typeface="Calibri"/>
                 <a:sym typeface="Calibri"/>
               </a:rPr>
-              <a:t>Image </a:t>
-            </a:r>
-            <a:r>
-              <a:rPr lang="en-US" sz="1200" b="0" i="0" u="none" strike="noStrike" cap="none" dirty="0" smtClean="0">
-                <a:solidFill>
-                  <a:schemeClr val="dk1"/>
-                </a:solidFill>
-                <a:effectLst/>
-                <a:latin typeface="Calibri"/>
-                <a:ea typeface="Calibri"/>
-                <a:cs typeface="Calibri"/>
-                <a:sym typeface="Calibri"/>
-              </a:rPr>
-              <a:t>?</a:t>
+              <a:t>Image ?</a:t>
             </a:r>
           </a:p>
           <a:p>
@@ -4250,11 +4235,7 @@
             </a:r>
             <a:r>
               <a:rPr lang="en-US" dirty="0" smtClean="0"/>
-              <a:t> to store data and use it</a:t>
-            </a:r>
-            <a:r>
-              <a:rPr lang="en-US" dirty="0" smtClean="0"/>
-              <a:t>.</a:t>
+              <a:t> to store data and use it.</a:t>
             </a:r>
           </a:p>
           <a:p>
@@ -4281,7 +4262,6 @@
               <a:rPr lang="en-US" dirty="0" smtClean="0"/>
               <a:t>Smart contract?</a:t>
             </a:r>
-            <a:endParaRPr lang="en-US" dirty="0" smtClean="0"/>
           </a:p>
           <a:p>
             <a:pPr marL="0" marR="0" lvl="0" indent="0" algn="l" rtl="0">
@@ -4650,11 +4630,11 @@
 </file>
 
 <file path=ppt/slideLayouts/slideLayout1.xml><?xml version="1.0" encoding="utf-8"?>
-<p:sldLayout xmlns:a="http://schemas.openxmlformats.org/drawingml/2006/main" xmlns:r="http://schemas.openxmlformats.org/officeDocument/2006/relationships" xmlns:p="http://schemas.openxmlformats.org/presentationml/2006/main" matchingName="Cover Page">
-  <p:cSld name="Cover Page">
+<p:sldLayout xmlns:a="http://schemas.openxmlformats.org/drawingml/2006/main" xmlns:r="http://schemas.openxmlformats.org/officeDocument/2006/relationships" xmlns:p="http://schemas.openxmlformats.org/presentationml/2006/main" matchingName="Title Slide">
+  <p:cSld name="Title Slide">
     <p:spTree>
       <p:nvGrpSpPr>
-        <p:cNvPr id="1" name="Shape 13"/>
+        <p:cNvPr id="1" name="Shape 18"/>
         <p:cNvGrpSpPr/>
         <p:nvPr/>
       </p:nvGrpSpPr>
@@ -4668,17 +4648,163 @@
       </p:grpSpPr>
       <p:sp>
         <p:nvSpPr>
-          <p:cNvPr id="14" name="Shape 14"/>
+          <p:cNvPr id="19" name="Shape 19"/>
+          <p:cNvSpPr txBox="1">
+            <a:spLocks noGrp="1"/>
+          </p:cNvSpPr>
+          <p:nvPr>
+            <p:ph type="ctrTitle"/>
+          </p:nvPr>
+        </p:nvSpPr>
+        <p:spPr>
+          <a:xfrm>
+            <a:off x="2930267" y="2130426"/>
+            <a:ext cx="7432933" cy="537663"/>
+          </a:xfrm>
+          <a:prstGeom prst="rect">
+            <a:avLst/>
+          </a:prstGeom>
+          <a:noFill/>
+          <a:ln>
+            <a:noFill/>
+          </a:ln>
+        </p:spPr>
+        <p:txBody>
+          <a:bodyPr spcFirstLastPara="1" wrap="square" lIns="91425" tIns="91425" rIns="91425" bIns="91425" anchor="t" anchorCtr="0"/>
+          <a:lstStyle>
+            <a:lvl1pPr marL="0" marR="0" lvl="0" indent="0" algn="r" rtl="0">
+              <a:spcBef>
+                <a:spcPts val="0"/>
+              </a:spcBef>
+              <a:spcAft>
+                <a:spcPts val="0"/>
+              </a:spcAft>
+              <a:buClr>
+                <a:srgbClr val="27AAE1"/>
+              </a:buClr>
+              <a:buSzPts val="1400"/>
+              <a:buFont typeface="Calibri"/>
+              <a:buNone/>
+              <a:defRPr sz="3200" b="1" i="0" u="none" strike="noStrike" cap="none">
+                <a:solidFill>
+                  <a:srgbClr val="27AAE1"/>
+                </a:solidFill>
+                <a:latin typeface="Calibri"/>
+                <a:ea typeface="Calibri"/>
+                <a:cs typeface="Calibri"/>
+                <a:sym typeface="Calibri"/>
+              </a:defRPr>
+            </a:lvl1pPr>
+            <a:lvl2pPr lvl="1" indent="0">
+              <a:spcBef>
+                <a:spcPts val="0"/>
+              </a:spcBef>
+              <a:spcAft>
+                <a:spcPts val="0"/>
+              </a:spcAft>
+              <a:buSzPts val="1400"/>
+              <a:buNone/>
+              <a:defRPr sz="1800"/>
+            </a:lvl2pPr>
+            <a:lvl3pPr lvl="2" indent="0">
+              <a:spcBef>
+                <a:spcPts val="0"/>
+              </a:spcBef>
+              <a:spcAft>
+                <a:spcPts val="0"/>
+              </a:spcAft>
+              <a:buSzPts val="1400"/>
+              <a:buNone/>
+              <a:defRPr sz="1800"/>
+            </a:lvl3pPr>
+            <a:lvl4pPr lvl="3" indent="0">
+              <a:spcBef>
+                <a:spcPts val="0"/>
+              </a:spcBef>
+              <a:spcAft>
+                <a:spcPts val="0"/>
+              </a:spcAft>
+              <a:buSzPts val="1400"/>
+              <a:buNone/>
+              <a:defRPr sz="1800"/>
+            </a:lvl4pPr>
+            <a:lvl5pPr lvl="4" indent="0">
+              <a:spcBef>
+                <a:spcPts val="0"/>
+              </a:spcBef>
+              <a:spcAft>
+                <a:spcPts val="0"/>
+              </a:spcAft>
+              <a:buSzPts val="1400"/>
+              <a:buNone/>
+              <a:defRPr sz="1800"/>
+            </a:lvl5pPr>
+            <a:lvl6pPr lvl="5" indent="0">
+              <a:spcBef>
+                <a:spcPts val="0"/>
+              </a:spcBef>
+              <a:spcAft>
+                <a:spcPts val="0"/>
+              </a:spcAft>
+              <a:buSzPts val="1400"/>
+              <a:buNone/>
+              <a:defRPr sz="1800"/>
+            </a:lvl6pPr>
+            <a:lvl7pPr lvl="6" indent="0">
+              <a:spcBef>
+                <a:spcPts val="0"/>
+              </a:spcBef>
+              <a:spcAft>
+                <a:spcPts val="0"/>
+              </a:spcAft>
+              <a:buSzPts val="1400"/>
+              <a:buNone/>
+              <a:defRPr sz="1800"/>
+            </a:lvl7pPr>
+            <a:lvl8pPr lvl="7" indent="0">
+              <a:spcBef>
+                <a:spcPts val="0"/>
+              </a:spcBef>
+              <a:spcAft>
+                <a:spcPts val="0"/>
+              </a:spcAft>
+              <a:buSzPts val="1400"/>
+              <a:buNone/>
+              <a:defRPr sz="1800"/>
+            </a:lvl8pPr>
+            <a:lvl9pPr lvl="8" indent="0">
+              <a:spcBef>
+                <a:spcPts val="0"/>
+              </a:spcBef>
+              <a:spcAft>
+                <a:spcPts val="0"/>
+              </a:spcAft>
+              <a:buSzPts val="1400"/>
+              <a:buNone/>
+              <a:defRPr sz="1800"/>
+            </a:lvl9pPr>
+          </a:lstStyle>
+          <a:p>
+            <a:endParaRPr/>
+          </a:p>
+        </p:txBody>
+      </p:sp>
+      <p:sp>
+        <p:nvSpPr>
+          <p:cNvPr id="20" name="Shape 20"/>
           <p:cNvSpPr/>
           <p:nvPr/>
         </p:nvSpPr>
         <p:spPr>
           <a:xfrm>
-            <a:off x="-95139" y="-142689"/>
-            <a:ext cx="12580843" cy="7043496"/>
+            <a:off x="11213943" y="2130425"/>
+            <a:ext cx="2191077" cy="1416644"/>
           </a:xfrm>
-          <a:prstGeom prst="rect">
-            <a:avLst/>
+          <a:prstGeom prst="hexagon">
+            <a:avLst>
+              <a:gd name="adj" fmla="val 25000"/>
+              <a:gd name="vf" fmla="val 115470"/>
+            </a:avLst>
           </a:prstGeom>
           <a:solidFill>
             <a:srgbClr val="27AAE1"/>
@@ -4702,7 +4828,7 @@
               </a:spcAft>
               <a:buNone/>
             </a:pPr>
-            <a:endParaRPr sz="1800" b="0" i="0" u="none" strike="noStrike" cap="none">
+            <a:endParaRPr sz="1800">
               <a:solidFill>
                 <a:schemeClr val="lt1"/>
               </a:solidFill>
@@ -4716,32 +4842,32 @@
       </p:sp>
       <p:sp>
         <p:nvSpPr>
-          <p:cNvPr id="15" name="Shape 15">
-            <a:hlinkClick r:id="rId2"/>
-          </p:cNvPr>
-          <p:cNvSpPr txBox="1"/>
+          <p:cNvPr id="21" name="Shape 21"/>
+          <p:cNvSpPr/>
           <p:nvPr/>
         </p:nvSpPr>
         <p:spPr>
           <a:xfrm>
-            <a:off x="627913" y="6306863"/>
-            <a:ext cx="5765393" cy="276999"/>
+            <a:off x="-50550" y="5587638"/>
+            <a:ext cx="12359447" cy="1384086"/>
           </a:xfrm>
           <a:prstGeom prst="rect">
             <a:avLst/>
           </a:prstGeom>
-          <a:noFill/>
+          <a:solidFill>
+            <a:schemeClr val="lt1"/>
+          </a:solidFill>
           <a:ln>
             <a:noFill/>
           </a:ln>
         </p:spPr>
         <p:txBody>
-          <a:bodyPr spcFirstLastPara="1" wrap="square" lIns="91425" tIns="45700" rIns="91425" bIns="45700" anchor="t" anchorCtr="0">
+          <a:bodyPr spcFirstLastPara="1" wrap="square" lIns="91425" tIns="45700" rIns="91425" bIns="45700" anchor="ctr" anchorCtr="0">
             <a:noAutofit/>
           </a:bodyPr>
           <a:lstStyle/>
           <a:p>
-            <a:pPr marL="0" marR="0" lvl="0" indent="0" algn="l" rtl="0">
+            <a:pPr marL="0" marR="0" lvl="0" indent="0" algn="ctr" rtl="0">
               <a:spcBef>
                 <a:spcPts val="0"/>
               </a:spcBef>
@@ -4750,258 +4876,32 @@
               </a:spcAft>
               <a:buNone/>
             </a:pPr>
-            <a:r>
-              <a:rPr lang="en-US" sz="1200" b="0" i="0" u="none" strike="noStrike" cap="none">
-                <a:solidFill>
-                  <a:schemeClr val="lt1"/>
-                </a:solidFill>
-                <a:latin typeface="Calibri"/>
-                <a:ea typeface="Calibri"/>
-                <a:cs typeface="Calibri"/>
-                <a:sym typeface="Calibri"/>
-              </a:rPr>
-              <a:t>© 2013 KMS Technology </a:t>
-            </a:r>
-            <a:endParaRPr/>
-          </a:p>
-        </p:txBody>
-      </p:sp>
-      <p:pic>
-        <p:nvPicPr>
-          <p:cNvPr id="16" name="Shape 16" descr="logo-big.png"/>
-          <p:cNvPicPr preferRelativeResize="0"/>
-          <p:nvPr/>
-        </p:nvPicPr>
-        <p:blipFill rotWithShape="1">
-          <a:blip r:embed="rId3">
-            <a:alphaModFix/>
-          </a:blip>
-          <a:srcRect/>
-          <a:stretch/>
-        </p:blipFill>
-        <p:spPr>
-          <a:xfrm>
-            <a:off x="4349571" y="914401"/>
-            <a:ext cx="3680628" cy="1330443"/>
-          </a:xfrm>
-          <a:prstGeom prst="rect">
-            <a:avLst/>
-          </a:prstGeom>
-          <a:noFill/>
-          <a:ln>
-            <a:noFill/>
-          </a:ln>
-        </p:spPr>
-      </p:pic>
-      <p:pic>
-        <p:nvPicPr>
-          <p:cNvPr id="17" name="Shape 17" descr="Screen Shot 2013-10-14 at 3.46.49 PM.png"/>
-          <p:cNvPicPr preferRelativeResize="0"/>
-          <p:nvPr/>
-        </p:nvPicPr>
-        <p:blipFill rotWithShape="1">
-          <a:blip r:embed="rId4">
-            <a:alphaModFix/>
-          </a:blip>
-          <a:srcRect/>
-          <a:stretch/>
-        </p:blipFill>
-        <p:spPr>
-          <a:xfrm>
-            <a:off x="-112887" y="3248792"/>
-            <a:ext cx="12598402" cy="2728667"/>
-          </a:xfrm>
-          <a:prstGeom prst="rect">
-            <a:avLst/>
-          </a:prstGeom>
-          <a:noFill/>
-          <a:ln>
-            <a:noFill/>
-          </a:ln>
-        </p:spPr>
-      </p:pic>
-    </p:spTree>
-  </p:cSld>
-  <p:clrMapOvr>
-    <a:masterClrMapping/>
-  </p:clrMapOvr>
-</p:sldLayout>
-</file>
-
-<file path=ppt/slideLayouts/slideLayout10.xml><?xml version="1.0" encoding="utf-8"?>
-<p:sldLayout xmlns:a="http://schemas.openxmlformats.org/drawingml/2006/main" xmlns:r="http://schemas.openxmlformats.org/officeDocument/2006/relationships" xmlns:p="http://schemas.openxmlformats.org/presentationml/2006/main" matchingName="Picture with Caption">
-  <p:cSld name="Picture with Caption">
-    <p:spTree>
-      <p:nvGrpSpPr>
-        <p:cNvPr id="1" name="Shape 63"/>
-        <p:cNvGrpSpPr/>
-        <p:nvPr/>
-      </p:nvGrpSpPr>
-      <p:grpSpPr>
-        <a:xfrm>
-          <a:off x="0" y="0"/>
-          <a:ext cx="0" cy="0"/>
-          <a:chOff x="0" y="0"/>
-          <a:chExt cx="0" cy="0"/>
-        </a:xfrm>
-      </p:grpSpPr>
-      <p:sp>
-        <p:nvSpPr>
-          <p:cNvPr id="64" name="Shape 64"/>
-          <p:cNvSpPr txBox="1">
-            <a:spLocks noGrp="1"/>
-          </p:cNvSpPr>
-          <p:nvPr>
-            <p:ph type="title"/>
-          </p:nvPr>
-        </p:nvSpPr>
-        <p:spPr>
-          <a:xfrm>
-            <a:off x="2389717" y="4800600"/>
-            <a:ext cx="7315200" cy="566738"/>
-          </a:xfrm>
-          <a:prstGeom prst="rect">
-            <a:avLst/>
-          </a:prstGeom>
-          <a:noFill/>
-          <a:ln>
-            <a:noFill/>
-          </a:ln>
-        </p:spPr>
-        <p:txBody>
-          <a:bodyPr spcFirstLastPara="1" wrap="square" lIns="91425" tIns="91425" rIns="91425" bIns="91425" anchor="b" anchorCtr="0"/>
-          <a:lstStyle>
-            <a:lvl1pPr marL="0" marR="0" lvl="0" indent="0" algn="l" rtl="0">
-              <a:spcBef>
-                <a:spcPts val="0"/>
-              </a:spcBef>
-              <a:spcAft>
-                <a:spcPts val="0"/>
-              </a:spcAft>
-              <a:buClr>
-                <a:srgbClr val="27AAE1"/>
-              </a:buClr>
-              <a:buSzPts val="1400"/>
-              <a:buFont typeface="Calibri"/>
-              <a:buNone/>
-              <a:defRPr sz="2000" b="1" i="0" u="none" strike="noStrike" cap="none">
-                <a:solidFill>
-                  <a:srgbClr val="27AAE1"/>
-                </a:solidFill>
-                <a:latin typeface="Calibri"/>
-                <a:ea typeface="Calibri"/>
-                <a:cs typeface="Calibri"/>
-                <a:sym typeface="Calibri"/>
-              </a:defRPr>
-            </a:lvl1pPr>
-            <a:lvl2pPr lvl="1" indent="0">
-              <a:spcBef>
-                <a:spcPts val="0"/>
-              </a:spcBef>
-              <a:spcAft>
-                <a:spcPts val="0"/>
-              </a:spcAft>
-              <a:buSzPts val="1400"/>
-              <a:buNone/>
-              <a:defRPr sz="1800"/>
-            </a:lvl2pPr>
-            <a:lvl3pPr lvl="2" indent="0">
-              <a:spcBef>
-                <a:spcPts val="0"/>
-              </a:spcBef>
-              <a:spcAft>
-                <a:spcPts val="0"/>
-              </a:spcAft>
-              <a:buSzPts val="1400"/>
-              <a:buNone/>
-              <a:defRPr sz="1800"/>
-            </a:lvl3pPr>
-            <a:lvl4pPr lvl="3" indent="0">
-              <a:spcBef>
-                <a:spcPts val="0"/>
-              </a:spcBef>
-              <a:spcAft>
-                <a:spcPts val="0"/>
-              </a:spcAft>
-              <a:buSzPts val="1400"/>
-              <a:buNone/>
-              <a:defRPr sz="1800"/>
-            </a:lvl4pPr>
-            <a:lvl5pPr lvl="4" indent="0">
-              <a:spcBef>
-                <a:spcPts val="0"/>
-              </a:spcBef>
-              <a:spcAft>
-                <a:spcPts val="0"/>
-              </a:spcAft>
-              <a:buSzPts val="1400"/>
-              <a:buNone/>
-              <a:defRPr sz="1800"/>
-            </a:lvl5pPr>
-            <a:lvl6pPr lvl="5" indent="0">
-              <a:spcBef>
-                <a:spcPts val="0"/>
-              </a:spcBef>
-              <a:spcAft>
-                <a:spcPts val="0"/>
-              </a:spcAft>
-              <a:buSzPts val="1400"/>
-              <a:buNone/>
-              <a:defRPr sz="1800"/>
-            </a:lvl6pPr>
-            <a:lvl7pPr lvl="6" indent="0">
-              <a:spcBef>
-                <a:spcPts val="0"/>
-              </a:spcBef>
-              <a:spcAft>
-                <a:spcPts val="0"/>
-              </a:spcAft>
-              <a:buSzPts val="1400"/>
-              <a:buNone/>
-              <a:defRPr sz="1800"/>
-            </a:lvl7pPr>
-            <a:lvl8pPr lvl="7" indent="0">
-              <a:spcBef>
-                <a:spcPts val="0"/>
-              </a:spcBef>
-              <a:spcAft>
-                <a:spcPts val="0"/>
-              </a:spcAft>
-              <a:buSzPts val="1400"/>
-              <a:buNone/>
-              <a:defRPr sz="1800"/>
-            </a:lvl8pPr>
-            <a:lvl9pPr lvl="8" indent="0">
-              <a:spcBef>
-                <a:spcPts val="0"/>
-              </a:spcBef>
-              <a:spcAft>
-                <a:spcPts val="0"/>
-              </a:spcAft>
-              <a:buSzPts val="1400"/>
-              <a:buNone/>
-              <a:defRPr sz="1800"/>
-            </a:lvl9pPr>
-          </a:lstStyle>
-          <a:p>
-            <a:endParaRPr/>
+            <a:endParaRPr sz="1800">
+              <a:solidFill>
+                <a:schemeClr val="lt1"/>
+              </a:solidFill>
+              <a:latin typeface="Calibri"/>
+              <a:ea typeface="Calibri"/>
+              <a:cs typeface="Calibri"/>
+              <a:sym typeface="Calibri"/>
+            </a:endParaRPr>
           </a:p>
         </p:txBody>
       </p:sp>
       <p:sp>
         <p:nvSpPr>
-          <p:cNvPr id="65" name="Shape 65"/>
-          <p:cNvSpPr>
+          <p:cNvPr id="22" name="Shape 22"/>
+          <p:cNvSpPr txBox="1">
             <a:spLocks noGrp="1"/>
           </p:cNvSpPr>
           <p:nvPr>
-            <p:ph type="pic" idx="2"/>
+            <p:ph type="body" idx="1"/>
           </p:nvPr>
         </p:nvSpPr>
         <p:spPr>
           <a:xfrm>
-            <a:off x="2389717" y="1255665"/>
-            <a:ext cx="7315200" cy="3471910"/>
+            <a:off x="2929467" y="3119007"/>
+            <a:ext cx="7433733" cy="657225"/>
           </a:xfrm>
           <a:prstGeom prst="rect">
             <a:avLst/>
@@ -5014,22 +4914,22 @@
         <p:txBody>
           <a:bodyPr spcFirstLastPara="1" wrap="square" lIns="91425" tIns="91425" rIns="91425" bIns="91425" anchor="t" anchorCtr="0"/>
           <a:lstStyle>
-            <a:lvl1pPr marL="0" marR="0" lvl="0" indent="0" algn="l" rtl="0">
-              <a:spcBef>
-                <a:spcPts val="640"/>
-              </a:spcBef>
-              <a:spcAft>
-                <a:spcPts val="0"/>
-              </a:spcAft>
-              <a:buClr>
-                <a:schemeClr val="dk1"/>
+            <a:lvl1pPr marL="457200" marR="0" lvl="0" indent="-228600" algn="r" rtl="0">
+              <a:spcBef>
+                <a:spcPts val="560"/>
+              </a:spcBef>
+              <a:spcAft>
+                <a:spcPts val="0"/>
+              </a:spcAft>
+              <a:buClr>
+                <a:srgbClr val="3F3F3F"/>
               </a:buClr>
               <a:buSzPts val="1400"/>
               <a:buFont typeface="Arial"/>
               <a:buNone/>
-              <a:defRPr sz="3200" b="0" i="0" u="none" strike="noStrike" cap="none">
-                <a:solidFill>
-                  <a:schemeClr val="dk1"/>
+              <a:defRPr sz="2800" b="0" i="0" u="none" strike="noStrike" cap="none">
+                <a:solidFill>
+                  <a:srgbClr val="3F3F3F"/>
                 </a:solidFill>
                 <a:latin typeface="Calibri"/>
                 <a:ea typeface="Calibri"/>
@@ -5037,7 +4937,7 @@
                 <a:sym typeface="Calibri"/>
               </a:defRPr>
             </a:lvl1pPr>
-            <a:lvl2pPr marL="457200" marR="0" lvl="1" indent="0" algn="l" rtl="0">
+            <a:lvl2pPr marL="914400" marR="0" lvl="1" indent="-406400" algn="l" rtl="0">
               <a:spcBef>
                 <a:spcPts val="560"/>
               </a:spcBef>
@@ -5047,9 +4947,9 @@
               <a:buClr>
                 <a:schemeClr val="dk1"/>
               </a:buClr>
-              <a:buSzPts val="1400"/>
-              <a:buFont typeface="Arial"/>
-              <a:buNone/>
+              <a:buSzPts val="2800"/>
+              <a:buFont typeface="Arial"/>
+              <a:buChar char="–"/>
               <a:defRPr sz="2800" b="0" i="0" u="none" strike="noStrike" cap="none">
                 <a:solidFill>
                   <a:schemeClr val="dk1"/>
@@ -5060,7 +4960,7 @@
                 <a:sym typeface="Calibri"/>
               </a:defRPr>
             </a:lvl2pPr>
-            <a:lvl3pPr marL="914400" marR="0" lvl="2" indent="0" algn="l" rtl="0">
+            <a:lvl3pPr marL="1371600" marR="0" lvl="2" indent="-381000" algn="l" rtl="0">
               <a:spcBef>
                 <a:spcPts val="480"/>
               </a:spcBef>
@@ -5070,9 +4970,9 @@
               <a:buClr>
                 <a:schemeClr val="dk1"/>
               </a:buClr>
-              <a:buSzPts val="1400"/>
-              <a:buFont typeface="Arial"/>
-              <a:buNone/>
+              <a:buSzPts val="2400"/>
+              <a:buFont typeface="Arial"/>
+              <a:buChar char="•"/>
               <a:defRPr sz="2400" b="0" i="0" u="none" strike="noStrike" cap="none">
                 <a:solidFill>
                   <a:schemeClr val="dk1"/>
@@ -5083,7 +4983,7 @@
                 <a:sym typeface="Calibri"/>
               </a:defRPr>
             </a:lvl3pPr>
-            <a:lvl4pPr marL="1371600" marR="0" lvl="3" indent="0" algn="l" rtl="0">
+            <a:lvl4pPr marL="1828800" marR="0" lvl="3" indent="-355600" algn="l" rtl="0">
               <a:spcBef>
                 <a:spcPts val="400"/>
               </a:spcBef>
@@ -5093,9 +4993,9 @@
               <a:buClr>
                 <a:schemeClr val="dk1"/>
               </a:buClr>
-              <a:buSzPts val="1400"/>
-              <a:buFont typeface="Arial"/>
-              <a:buNone/>
+              <a:buSzPts val="2000"/>
+              <a:buFont typeface="Arial"/>
+              <a:buChar char="–"/>
               <a:defRPr sz="2000" b="0" i="0" u="none" strike="noStrike" cap="none">
                 <a:solidFill>
                   <a:schemeClr val="dk1"/>
@@ -5106,7 +5006,7 @@
                 <a:sym typeface="Calibri"/>
               </a:defRPr>
             </a:lvl4pPr>
-            <a:lvl5pPr marL="1828800" marR="0" lvl="4" indent="0" algn="l" rtl="0">
+            <a:lvl5pPr marL="2286000" marR="0" lvl="4" indent="-355600" algn="l" rtl="0">
               <a:spcBef>
                 <a:spcPts val="400"/>
               </a:spcBef>
@@ -5116,9 +5016,9 @@
               <a:buClr>
                 <a:schemeClr val="dk1"/>
               </a:buClr>
-              <a:buSzPts val="1400"/>
-              <a:buFont typeface="Arial"/>
-              <a:buNone/>
+              <a:buSzPts val="2000"/>
+              <a:buFont typeface="Arial"/>
+              <a:buChar char="»"/>
               <a:defRPr sz="2000" b="0" i="0" u="none" strike="noStrike" cap="none">
                 <a:solidFill>
                   <a:schemeClr val="dk1"/>
@@ -5129,7 +5029,7 @@
                 <a:sym typeface="Calibri"/>
               </a:defRPr>
             </a:lvl5pPr>
-            <a:lvl6pPr marL="2286000" marR="0" lvl="5" indent="0" algn="l" rtl="0">
+            <a:lvl6pPr marL="2743200" marR="0" lvl="5" indent="-355600" algn="l" rtl="0">
               <a:spcBef>
                 <a:spcPts val="400"/>
               </a:spcBef>
@@ -5139,9 +5039,9 @@
               <a:buClr>
                 <a:schemeClr val="dk1"/>
               </a:buClr>
-              <a:buSzPts val="1400"/>
-              <a:buFont typeface="Arial"/>
-              <a:buNone/>
+              <a:buSzPts val="2000"/>
+              <a:buFont typeface="Arial"/>
+              <a:buChar char="•"/>
               <a:defRPr sz="2000" b="0" i="0" u="none" strike="noStrike" cap="none">
                 <a:solidFill>
                   <a:schemeClr val="dk1"/>
@@ -5152,7 +5052,7 @@
                 <a:sym typeface="Calibri"/>
               </a:defRPr>
             </a:lvl6pPr>
-            <a:lvl7pPr marL="2743200" marR="0" lvl="6" indent="0" algn="l" rtl="0">
+            <a:lvl7pPr marL="3200400" marR="0" lvl="6" indent="-355600" algn="l" rtl="0">
               <a:spcBef>
                 <a:spcPts val="400"/>
               </a:spcBef>
@@ -5162,9 +5062,9 @@
               <a:buClr>
                 <a:schemeClr val="dk1"/>
               </a:buClr>
-              <a:buSzPts val="1400"/>
-              <a:buFont typeface="Arial"/>
-              <a:buNone/>
+              <a:buSzPts val="2000"/>
+              <a:buFont typeface="Arial"/>
+              <a:buChar char="•"/>
               <a:defRPr sz="2000" b="0" i="0" u="none" strike="noStrike" cap="none">
                 <a:solidFill>
                   <a:schemeClr val="dk1"/>
@@ -5175,7 +5075,7 @@
                 <a:sym typeface="Calibri"/>
               </a:defRPr>
             </a:lvl7pPr>
-            <a:lvl8pPr marL="3200400" marR="0" lvl="7" indent="0" algn="l" rtl="0">
+            <a:lvl8pPr marL="3657600" marR="0" lvl="7" indent="-355600" algn="l" rtl="0">
               <a:spcBef>
                 <a:spcPts val="400"/>
               </a:spcBef>
@@ -5185,9 +5085,9 @@
               <a:buClr>
                 <a:schemeClr val="dk1"/>
               </a:buClr>
-              <a:buSzPts val="1400"/>
-              <a:buFont typeface="Arial"/>
-              <a:buNone/>
+              <a:buSzPts val="2000"/>
+              <a:buFont typeface="Arial"/>
+              <a:buChar char="•"/>
               <a:defRPr sz="2000" b="0" i="0" u="none" strike="noStrike" cap="none">
                 <a:solidFill>
                   <a:schemeClr val="dk1"/>
@@ -5198,7 +5098,7 @@
                 <a:sym typeface="Calibri"/>
               </a:defRPr>
             </a:lvl8pPr>
-            <a:lvl9pPr marL="3657600" marR="0" lvl="8" indent="0" algn="l" rtl="0">
+            <a:lvl9pPr marL="4114800" marR="0" lvl="8" indent="-355600" algn="l" rtl="0">
               <a:spcBef>
                 <a:spcPts val="400"/>
               </a:spcBef>
@@ -5208,9 +5108,9 @@
               <a:buClr>
                 <a:schemeClr val="dk1"/>
               </a:buClr>
-              <a:buSzPts val="1400"/>
-              <a:buFont typeface="Arial"/>
-              <a:buNone/>
+              <a:buSzPts val="2000"/>
+              <a:buFont typeface="Arial"/>
+              <a:buChar char="•"/>
               <a:defRPr sz="2000" b="0" i="0" u="none" strike="noStrike" cap="none">
                 <a:solidFill>
                   <a:schemeClr val="dk1"/>
@@ -5229,18 +5129,18 @@
       </p:sp>
       <p:sp>
         <p:nvSpPr>
-          <p:cNvPr id="66" name="Shape 66"/>
+          <p:cNvPr id="23" name="Shape 23"/>
           <p:cNvSpPr txBox="1">
             <a:spLocks noGrp="1"/>
           </p:cNvSpPr>
           <p:nvPr>
-            <p:ph type="body" idx="1"/>
+            <p:ph type="body" idx="2"/>
           </p:nvPr>
         </p:nvSpPr>
         <p:spPr>
           <a:xfrm>
-            <a:off x="2389717" y="5367338"/>
-            <a:ext cx="7315200" cy="804862"/>
+            <a:off x="2929467" y="3547070"/>
+            <a:ext cx="7433733" cy="657225"/>
           </a:xfrm>
           <a:prstGeom prst="rect">
             <a:avLst/>
@@ -5253,22 +5153,22 @@
         <p:txBody>
           <a:bodyPr spcFirstLastPara="1" wrap="square" lIns="91425" tIns="91425" rIns="91425" bIns="91425" anchor="t" anchorCtr="0"/>
           <a:lstStyle>
-            <a:lvl1pPr marL="457200" marR="0" lvl="0" indent="-228600" algn="l" rtl="0">
-              <a:spcBef>
-                <a:spcPts val="280"/>
-              </a:spcBef>
-              <a:spcAft>
-                <a:spcPts val="0"/>
-              </a:spcAft>
-              <a:buClr>
-                <a:schemeClr val="dk1"/>
+            <a:lvl1pPr marL="457200" marR="0" lvl="0" indent="-228600" algn="r" rtl="0">
+              <a:spcBef>
+                <a:spcPts val="560"/>
+              </a:spcBef>
+              <a:spcAft>
+                <a:spcPts val="0"/>
+              </a:spcAft>
+              <a:buClr>
+                <a:srgbClr val="3F3F3F"/>
               </a:buClr>
               <a:buSzPts val="1400"/>
               <a:buFont typeface="Arial"/>
               <a:buNone/>
-              <a:defRPr sz="1400" b="0" i="0" u="none" strike="noStrike" cap="none">
-                <a:solidFill>
-                  <a:schemeClr val="dk1"/>
+              <a:defRPr sz="2800" b="0" i="0" u="none" strike="noStrike" cap="none">
+                <a:solidFill>
+                  <a:srgbClr val="3F3F3F"/>
                 </a:solidFill>
                 <a:latin typeface="Calibri"/>
                 <a:ea typeface="Calibri"/>
@@ -5276,20 +5176,20 @@
                 <a:sym typeface="Calibri"/>
               </a:defRPr>
             </a:lvl1pPr>
-            <a:lvl2pPr marL="914400" marR="0" lvl="1" indent="-228600" algn="l" rtl="0">
-              <a:spcBef>
-                <a:spcPts val="240"/>
-              </a:spcBef>
-              <a:spcAft>
-                <a:spcPts val="0"/>
-              </a:spcAft>
-              <a:buClr>
-                <a:schemeClr val="dk1"/>
-              </a:buClr>
-              <a:buSzPts val="1400"/>
-              <a:buFont typeface="Arial"/>
-              <a:buNone/>
-              <a:defRPr sz="1200" b="0" i="0" u="none" strike="noStrike" cap="none">
+            <a:lvl2pPr marL="914400" marR="0" lvl="1" indent="-406400" algn="l" rtl="0">
+              <a:spcBef>
+                <a:spcPts val="560"/>
+              </a:spcBef>
+              <a:spcAft>
+                <a:spcPts val="0"/>
+              </a:spcAft>
+              <a:buClr>
+                <a:schemeClr val="dk1"/>
+              </a:buClr>
+              <a:buSzPts val="2800"/>
+              <a:buFont typeface="Arial"/>
+              <a:buChar char="–"/>
+              <a:defRPr sz="2800" b="0" i="0" u="none" strike="noStrike" cap="none">
                 <a:solidFill>
                   <a:schemeClr val="dk1"/>
                 </a:solidFill>
@@ -5299,20 +5199,20 @@
                 <a:sym typeface="Calibri"/>
               </a:defRPr>
             </a:lvl2pPr>
-            <a:lvl3pPr marL="1371600" marR="0" lvl="2" indent="-228600" algn="l" rtl="0">
-              <a:spcBef>
-                <a:spcPts val="200"/>
-              </a:spcBef>
-              <a:spcAft>
-                <a:spcPts val="0"/>
-              </a:spcAft>
-              <a:buClr>
-                <a:schemeClr val="dk1"/>
-              </a:buClr>
-              <a:buSzPts val="1400"/>
-              <a:buFont typeface="Arial"/>
-              <a:buNone/>
-              <a:defRPr sz="1000" b="0" i="0" u="none" strike="noStrike" cap="none">
+            <a:lvl3pPr marL="1371600" marR="0" lvl="2" indent="-381000" algn="l" rtl="0">
+              <a:spcBef>
+                <a:spcPts val="480"/>
+              </a:spcBef>
+              <a:spcAft>
+                <a:spcPts val="0"/>
+              </a:spcAft>
+              <a:buClr>
+                <a:schemeClr val="dk1"/>
+              </a:buClr>
+              <a:buSzPts val="2400"/>
+              <a:buFont typeface="Arial"/>
+              <a:buChar char="•"/>
+              <a:defRPr sz="2400" b="0" i="0" u="none" strike="noStrike" cap="none">
                 <a:solidFill>
                   <a:schemeClr val="dk1"/>
                 </a:solidFill>
@@ -5322,20 +5222,20 @@
                 <a:sym typeface="Calibri"/>
               </a:defRPr>
             </a:lvl3pPr>
-            <a:lvl4pPr marL="1828800" marR="0" lvl="3" indent="-228600" algn="l" rtl="0">
-              <a:spcBef>
-                <a:spcPts val="180"/>
-              </a:spcBef>
-              <a:spcAft>
-                <a:spcPts val="0"/>
-              </a:spcAft>
-              <a:buClr>
-                <a:schemeClr val="dk1"/>
-              </a:buClr>
-              <a:buSzPts val="1400"/>
-              <a:buFont typeface="Arial"/>
-              <a:buNone/>
-              <a:defRPr sz="900" b="0" i="0" u="none" strike="noStrike" cap="none">
+            <a:lvl4pPr marL="1828800" marR="0" lvl="3" indent="-355600" algn="l" rtl="0">
+              <a:spcBef>
+                <a:spcPts val="400"/>
+              </a:spcBef>
+              <a:spcAft>
+                <a:spcPts val="0"/>
+              </a:spcAft>
+              <a:buClr>
+                <a:schemeClr val="dk1"/>
+              </a:buClr>
+              <a:buSzPts val="2000"/>
+              <a:buFont typeface="Arial"/>
+              <a:buChar char="–"/>
+              <a:defRPr sz="2000" b="0" i="0" u="none" strike="noStrike" cap="none">
                 <a:solidFill>
                   <a:schemeClr val="dk1"/>
                 </a:solidFill>
@@ -5345,20 +5245,20 @@
                 <a:sym typeface="Calibri"/>
               </a:defRPr>
             </a:lvl4pPr>
-            <a:lvl5pPr marL="2286000" marR="0" lvl="4" indent="-228600" algn="l" rtl="0">
-              <a:spcBef>
-                <a:spcPts val="180"/>
-              </a:spcBef>
-              <a:spcAft>
-                <a:spcPts val="0"/>
-              </a:spcAft>
-              <a:buClr>
-                <a:schemeClr val="dk1"/>
-              </a:buClr>
-              <a:buSzPts val="1400"/>
-              <a:buFont typeface="Arial"/>
-              <a:buNone/>
-              <a:defRPr sz="900" b="0" i="0" u="none" strike="noStrike" cap="none">
+            <a:lvl5pPr marL="2286000" marR="0" lvl="4" indent="-355600" algn="l" rtl="0">
+              <a:spcBef>
+                <a:spcPts val="400"/>
+              </a:spcBef>
+              <a:spcAft>
+                <a:spcPts val="0"/>
+              </a:spcAft>
+              <a:buClr>
+                <a:schemeClr val="dk1"/>
+              </a:buClr>
+              <a:buSzPts val="2000"/>
+              <a:buFont typeface="Arial"/>
+              <a:buChar char="»"/>
+              <a:defRPr sz="2000" b="0" i="0" u="none" strike="noStrike" cap="none">
                 <a:solidFill>
                   <a:schemeClr val="dk1"/>
                 </a:solidFill>
@@ -5368,20 +5268,20 @@
                 <a:sym typeface="Calibri"/>
               </a:defRPr>
             </a:lvl5pPr>
-            <a:lvl6pPr marL="2743200" marR="0" lvl="5" indent="-228600" algn="l" rtl="0">
-              <a:spcBef>
-                <a:spcPts val="180"/>
-              </a:spcBef>
-              <a:spcAft>
-                <a:spcPts val="0"/>
-              </a:spcAft>
-              <a:buClr>
-                <a:schemeClr val="dk1"/>
-              </a:buClr>
-              <a:buSzPts val="1400"/>
-              <a:buFont typeface="Arial"/>
-              <a:buNone/>
-              <a:defRPr sz="900" b="0" i="0" u="none" strike="noStrike" cap="none">
+            <a:lvl6pPr marL="2743200" marR="0" lvl="5" indent="-355600" algn="l" rtl="0">
+              <a:spcBef>
+                <a:spcPts val="400"/>
+              </a:spcBef>
+              <a:spcAft>
+                <a:spcPts val="0"/>
+              </a:spcAft>
+              <a:buClr>
+                <a:schemeClr val="dk1"/>
+              </a:buClr>
+              <a:buSzPts val="2000"/>
+              <a:buFont typeface="Arial"/>
+              <a:buChar char="•"/>
+              <a:defRPr sz="2000" b="0" i="0" u="none" strike="noStrike" cap="none">
                 <a:solidFill>
                   <a:schemeClr val="dk1"/>
                 </a:solidFill>
@@ -5391,20 +5291,20 @@
                 <a:sym typeface="Calibri"/>
               </a:defRPr>
             </a:lvl6pPr>
-            <a:lvl7pPr marL="3200400" marR="0" lvl="6" indent="-228600" algn="l" rtl="0">
-              <a:spcBef>
-                <a:spcPts val="180"/>
-              </a:spcBef>
-              <a:spcAft>
-                <a:spcPts val="0"/>
-              </a:spcAft>
-              <a:buClr>
-                <a:schemeClr val="dk1"/>
-              </a:buClr>
-              <a:buSzPts val="1400"/>
-              <a:buFont typeface="Arial"/>
-              <a:buNone/>
-              <a:defRPr sz="900" b="0" i="0" u="none" strike="noStrike" cap="none">
+            <a:lvl7pPr marL="3200400" marR="0" lvl="6" indent="-355600" algn="l" rtl="0">
+              <a:spcBef>
+                <a:spcPts val="400"/>
+              </a:spcBef>
+              <a:spcAft>
+                <a:spcPts val="0"/>
+              </a:spcAft>
+              <a:buClr>
+                <a:schemeClr val="dk1"/>
+              </a:buClr>
+              <a:buSzPts val="2000"/>
+              <a:buFont typeface="Arial"/>
+              <a:buChar char="•"/>
+              <a:defRPr sz="2000" b="0" i="0" u="none" strike="noStrike" cap="none">
                 <a:solidFill>
                   <a:schemeClr val="dk1"/>
                 </a:solidFill>
@@ -5414,20 +5314,20 @@
                 <a:sym typeface="Calibri"/>
               </a:defRPr>
             </a:lvl7pPr>
-            <a:lvl8pPr marL="3657600" marR="0" lvl="7" indent="-228600" algn="l" rtl="0">
-              <a:spcBef>
-                <a:spcPts val="180"/>
-              </a:spcBef>
-              <a:spcAft>
-                <a:spcPts val="0"/>
-              </a:spcAft>
-              <a:buClr>
-                <a:schemeClr val="dk1"/>
-              </a:buClr>
-              <a:buSzPts val="1400"/>
-              <a:buFont typeface="Arial"/>
-              <a:buNone/>
-              <a:defRPr sz="900" b="0" i="0" u="none" strike="noStrike" cap="none">
+            <a:lvl8pPr marL="3657600" marR="0" lvl="7" indent="-355600" algn="l" rtl="0">
+              <a:spcBef>
+                <a:spcPts val="400"/>
+              </a:spcBef>
+              <a:spcAft>
+                <a:spcPts val="0"/>
+              </a:spcAft>
+              <a:buClr>
+                <a:schemeClr val="dk1"/>
+              </a:buClr>
+              <a:buSzPts val="2000"/>
+              <a:buFont typeface="Arial"/>
+              <a:buChar char="•"/>
+              <a:defRPr sz="2000" b="0" i="0" u="none" strike="noStrike" cap="none">
                 <a:solidFill>
                   <a:schemeClr val="dk1"/>
                 </a:solidFill>
@@ -5437,20 +5337,20 @@
                 <a:sym typeface="Calibri"/>
               </a:defRPr>
             </a:lvl8pPr>
-            <a:lvl9pPr marL="4114800" marR="0" lvl="8" indent="-228600" algn="l" rtl="0">
-              <a:spcBef>
-                <a:spcPts val="180"/>
-              </a:spcBef>
-              <a:spcAft>
-                <a:spcPts val="0"/>
-              </a:spcAft>
-              <a:buClr>
-                <a:schemeClr val="dk1"/>
-              </a:buClr>
-              <a:buSzPts val="1400"/>
-              <a:buFont typeface="Arial"/>
-              <a:buNone/>
-              <a:defRPr sz="900" b="0" i="0" u="none" strike="noStrike" cap="none">
+            <a:lvl9pPr marL="4114800" marR="0" lvl="8" indent="-355600" algn="l" rtl="0">
+              <a:spcBef>
+                <a:spcPts val="400"/>
+              </a:spcBef>
+              <a:spcAft>
+                <a:spcPts val="0"/>
+              </a:spcAft>
+              <a:buClr>
+                <a:schemeClr val="dk1"/>
+              </a:buClr>
+              <a:buSzPts val="2000"/>
+              <a:buFont typeface="Arial"/>
+              <a:buChar char="•"/>
+              <a:defRPr sz="2000" b="0" i="0" u="none" strike="noStrike" cap="none">
                 <a:solidFill>
                   <a:schemeClr val="dk1"/>
                 </a:solidFill>
@@ -5468,189 +5368,7 @@
       </p:sp>
       <p:sp>
         <p:nvSpPr>
-          <p:cNvPr id="67" name="Shape 67"/>
-          <p:cNvSpPr txBox="1">
-            <a:spLocks noGrp="1"/>
-          </p:cNvSpPr>
-          <p:nvPr>
-            <p:ph type="sldNum" idx="12"/>
-          </p:nvPr>
-        </p:nvSpPr>
-        <p:spPr>
-          <a:xfrm>
-            <a:off x="8737600" y="6441965"/>
-            <a:ext cx="2844800" cy="365125"/>
-          </a:xfrm>
-          <a:prstGeom prst="rect">
-            <a:avLst/>
-          </a:prstGeom>
-          <a:noFill/>
-          <a:ln>
-            <a:noFill/>
-          </a:ln>
-        </p:spPr>
-        <p:txBody>
-          <a:bodyPr spcFirstLastPara="1" wrap="square" lIns="91425" tIns="45700" rIns="91425" bIns="45700" anchor="t" anchorCtr="0">
-            <a:noAutofit/>
-          </a:bodyPr>
-          <a:lstStyle>
-            <a:lvl1pPr marL="0" marR="0" lvl="0" indent="0" algn="r" rtl="0">
-              <a:spcBef>
-                <a:spcPts val="0"/>
-              </a:spcBef>
-              <a:buNone/>
-              <a:defRPr sz="1800" b="0" i="0">
-                <a:solidFill>
-                  <a:schemeClr val="lt1"/>
-                </a:solidFill>
-                <a:latin typeface="Calibri"/>
-                <a:ea typeface="Calibri"/>
-                <a:cs typeface="Calibri"/>
-                <a:sym typeface="Calibri"/>
-              </a:defRPr>
-            </a:lvl1pPr>
-            <a:lvl2pPr marL="0" marR="0" lvl="1" indent="0" algn="r" rtl="0">
-              <a:spcBef>
-                <a:spcPts val="0"/>
-              </a:spcBef>
-              <a:buNone/>
-              <a:defRPr sz="1800" b="0" i="0">
-                <a:solidFill>
-                  <a:schemeClr val="lt1"/>
-                </a:solidFill>
-                <a:latin typeface="Calibri"/>
-                <a:ea typeface="Calibri"/>
-                <a:cs typeface="Calibri"/>
-                <a:sym typeface="Calibri"/>
-              </a:defRPr>
-            </a:lvl2pPr>
-            <a:lvl3pPr marL="0" marR="0" lvl="2" indent="0" algn="r" rtl="0">
-              <a:spcBef>
-                <a:spcPts val="0"/>
-              </a:spcBef>
-              <a:buNone/>
-              <a:defRPr sz="1800" b="0" i="0">
-                <a:solidFill>
-                  <a:schemeClr val="lt1"/>
-                </a:solidFill>
-                <a:latin typeface="Calibri"/>
-                <a:ea typeface="Calibri"/>
-                <a:cs typeface="Calibri"/>
-                <a:sym typeface="Calibri"/>
-              </a:defRPr>
-            </a:lvl3pPr>
-            <a:lvl4pPr marL="0" marR="0" lvl="3" indent="0" algn="r" rtl="0">
-              <a:spcBef>
-                <a:spcPts val="0"/>
-              </a:spcBef>
-              <a:buNone/>
-              <a:defRPr sz="1800" b="0" i="0">
-                <a:solidFill>
-                  <a:schemeClr val="lt1"/>
-                </a:solidFill>
-                <a:latin typeface="Calibri"/>
-                <a:ea typeface="Calibri"/>
-                <a:cs typeface="Calibri"/>
-                <a:sym typeface="Calibri"/>
-              </a:defRPr>
-            </a:lvl4pPr>
-            <a:lvl5pPr marL="0" marR="0" lvl="4" indent="0" algn="r" rtl="0">
-              <a:spcBef>
-                <a:spcPts val="0"/>
-              </a:spcBef>
-              <a:buNone/>
-              <a:defRPr sz="1800" b="0" i="0">
-                <a:solidFill>
-                  <a:schemeClr val="lt1"/>
-                </a:solidFill>
-                <a:latin typeface="Calibri"/>
-                <a:ea typeface="Calibri"/>
-                <a:cs typeface="Calibri"/>
-                <a:sym typeface="Calibri"/>
-              </a:defRPr>
-            </a:lvl5pPr>
-            <a:lvl6pPr marL="0" marR="0" lvl="5" indent="0" algn="r" rtl="0">
-              <a:spcBef>
-                <a:spcPts val="0"/>
-              </a:spcBef>
-              <a:buNone/>
-              <a:defRPr sz="1800" b="0" i="0">
-                <a:solidFill>
-                  <a:schemeClr val="lt1"/>
-                </a:solidFill>
-                <a:latin typeface="Calibri"/>
-                <a:ea typeface="Calibri"/>
-                <a:cs typeface="Calibri"/>
-                <a:sym typeface="Calibri"/>
-              </a:defRPr>
-            </a:lvl6pPr>
-            <a:lvl7pPr marL="0" marR="0" lvl="6" indent="0" algn="r" rtl="0">
-              <a:spcBef>
-                <a:spcPts val="0"/>
-              </a:spcBef>
-              <a:buNone/>
-              <a:defRPr sz="1800" b="0" i="0">
-                <a:solidFill>
-                  <a:schemeClr val="lt1"/>
-                </a:solidFill>
-                <a:latin typeface="Calibri"/>
-                <a:ea typeface="Calibri"/>
-                <a:cs typeface="Calibri"/>
-                <a:sym typeface="Calibri"/>
-              </a:defRPr>
-            </a:lvl7pPr>
-            <a:lvl8pPr marL="0" marR="0" lvl="7" indent="0" algn="r" rtl="0">
-              <a:spcBef>
-                <a:spcPts val="0"/>
-              </a:spcBef>
-              <a:buNone/>
-              <a:defRPr sz="1800" b="0" i="0">
-                <a:solidFill>
-                  <a:schemeClr val="lt1"/>
-                </a:solidFill>
-                <a:latin typeface="Calibri"/>
-                <a:ea typeface="Calibri"/>
-                <a:cs typeface="Calibri"/>
-                <a:sym typeface="Calibri"/>
-              </a:defRPr>
-            </a:lvl8pPr>
-            <a:lvl9pPr marL="0" marR="0" lvl="8" indent="0" algn="r" rtl="0">
-              <a:spcBef>
-                <a:spcPts val="0"/>
-              </a:spcBef>
-              <a:buNone/>
-              <a:defRPr sz="1800" b="0" i="0">
-                <a:solidFill>
-                  <a:schemeClr val="lt1"/>
-                </a:solidFill>
-                <a:latin typeface="Calibri"/>
-                <a:ea typeface="Calibri"/>
-                <a:cs typeface="Calibri"/>
-                <a:sym typeface="Calibri"/>
-              </a:defRPr>
-            </a:lvl9pPr>
-          </a:lstStyle>
-          <a:p>
-            <a:pPr marL="0" lvl="0" indent="0">
-              <a:spcBef>
-                <a:spcPts val="0"/>
-              </a:spcBef>
-              <a:spcAft>
-                <a:spcPts val="0"/>
-              </a:spcAft>
-              <a:buNone/>
-            </a:pPr>
-            <a:fld id="{00000000-1234-1234-1234-123412341234}" type="slidenum">
-              <a:rPr lang="en-US"/>
-              <a:t>‹#›</a:t>
-            </a:fld>
-            <a:endParaRPr/>
-          </a:p>
-        </p:txBody>
-      </p:sp>
-      <p:sp>
-        <p:nvSpPr>
-          <p:cNvPr id="68" name="Shape 68"/>
+          <p:cNvPr id="24" name="Shape 24"/>
           <p:cNvSpPr txBox="1">
             <a:spLocks noGrp="1"/>
           </p:cNvSpPr>
@@ -5660,8 +5378,8 @@
         </p:nvSpPr>
         <p:spPr>
           <a:xfrm>
-            <a:off x="514460" y="6421403"/>
-            <a:ext cx="7433733" cy="441951"/>
+            <a:off x="2929467" y="3961296"/>
+            <a:ext cx="7433733" cy="657225"/>
           </a:xfrm>
           <a:prstGeom prst="rect">
             <a:avLst/>
@@ -5674,22 +5392,22 @@
         <p:txBody>
           <a:bodyPr spcFirstLastPara="1" wrap="square" lIns="91425" tIns="91425" rIns="91425" bIns="91425" anchor="t" anchorCtr="0"/>
           <a:lstStyle>
-            <a:lvl1pPr marL="457200" marR="0" lvl="0" indent="-228600" algn="l" rtl="0">
-              <a:spcBef>
-                <a:spcPts val="360"/>
-              </a:spcBef>
-              <a:spcAft>
-                <a:spcPts val="0"/>
-              </a:spcAft>
-              <a:buClr>
-                <a:schemeClr val="lt1"/>
+            <a:lvl1pPr marL="457200" marR="0" lvl="0" indent="-228600" algn="r" rtl="0">
+              <a:spcBef>
+                <a:spcPts val="560"/>
+              </a:spcBef>
+              <a:spcAft>
+                <a:spcPts val="0"/>
+              </a:spcAft>
+              <a:buClr>
+                <a:srgbClr val="3F3F3F"/>
               </a:buClr>
               <a:buSzPts val="1400"/>
               <a:buFont typeface="Arial"/>
               <a:buNone/>
-              <a:defRPr sz="1800" b="0" i="0" u="none" strike="noStrike" cap="none">
-                <a:solidFill>
-                  <a:schemeClr val="lt1"/>
+              <a:defRPr sz="2800" b="0" i="0" u="none" strike="noStrike" cap="none">
+                <a:solidFill>
+                  <a:srgbClr val="3F3F3F"/>
                 </a:solidFill>
                 <a:latin typeface="Calibri"/>
                 <a:ea typeface="Calibri"/>
@@ -5895,7 +5613,7 @@
 </p:sldLayout>
 </file>
 
-<file path=ppt/slideLayouts/slideLayout11.xml><?xml version="1.0" encoding="utf-8"?>
+<file path=ppt/slideLayouts/slideLayout10.xml><?xml version="1.0" encoding="utf-8"?>
 <p:sldLayout xmlns:a="http://schemas.openxmlformats.org/drawingml/2006/main" xmlns:r="http://schemas.openxmlformats.org/officeDocument/2006/relationships" xmlns:p="http://schemas.openxmlformats.org/presentationml/2006/main" matchingName="Title and Vertical Text">
   <p:cSld name="Title and Vertical Text">
     <p:spTree>
@@ -6723,7 +6441,7 @@
 </p:sldLayout>
 </file>
 
-<file path=ppt/slideLayouts/slideLayout12.xml><?xml version="1.0" encoding="utf-8"?>
+<file path=ppt/slideLayouts/slideLayout11.xml><?xml version="1.0" encoding="utf-8"?>
 <p:sldLayout xmlns:a="http://schemas.openxmlformats.org/drawingml/2006/main" xmlns:r="http://schemas.openxmlformats.org/officeDocument/2006/relationships" xmlns:p="http://schemas.openxmlformats.org/presentationml/2006/main" matchingName="Vertical Title and Text">
   <p:cSld name="Vertical Title and Text">
     <p:spTree>
@@ -7551,12 +7269,22 @@
 </p:sldLayout>
 </file>
 
-<file path=ppt/slideLayouts/slideLayout2.xml><?xml version="1.0" encoding="utf-8"?>
-<p:sldLayout xmlns:a="http://schemas.openxmlformats.org/drawingml/2006/main" xmlns:r="http://schemas.openxmlformats.org/officeDocument/2006/relationships" xmlns:p="http://schemas.openxmlformats.org/presentationml/2006/main" matchingName="Title Slide">
-  <p:cSld name="Title Slide">
+<file path=ppt/slideLayouts/slideLayout12.xml><?xml version="1.0" encoding="utf-8"?>
+<p:sldLayout xmlns:a="http://schemas.openxmlformats.org/drawingml/2006/main" xmlns:r="http://schemas.openxmlformats.org/officeDocument/2006/relationships" xmlns:p="http://schemas.openxmlformats.org/presentationml/2006/main">
+  <p:cSld name="Company Logo">
+    <p:bg>
+      <p:bgPr>
+        <a:solidFill>
+          <a:srgbClr val="222A35">
+            <a:alpha val="94509"/>
+          </a:srgbClr>
+        </a:solidFill>
+        <a:effectLst/>
+      </p:bgPr>
+    </p:bg>
     <p:spTree>
       <p:nvGrpSpPr>
-        <p:cNvPr id="1" name="Shape 18"/>
+        <p:cNvPr id="1" name="Shape 7"/>
         <p:cNvGrpSpPr/>
         <p:nvPr/>
       </p:nvGrpSpPr>
@@ -7568,20 +7296,23 @@
           <a:chExt cx="0" cy="0"/>
         </a:xfrm>
       </p:grpSpPr>
-      <p:sp>
-        <p:nvSpPr>
-          <p:cNvPr id="19" name="Shape 19"/>
-          <p:cNvSpPr txBox="1">
-            <a:spLocks noGrp="1"/>
-          </p:cNvSpPr>
-          <p:nvPr>
-            <p:ph type="ctrTitle"/>
-          </p:nvPr>
-        </p:nvSpPr>
+      <p:pic>
+        <p:nvPicPr>
+          <p:cNvPr id="8" name="Shape 8"/>
+          <p:cNvPicPr preferRelativeResize="0"/>
+          <p:nvPr/>
+        </p:nvPicPr>
+        <p:blipFill rotWithShape="1">
+          <a:blip r:embed="rId2">
+            <a:alphaModFix amt="8000"/>
+          </a:blip>
+          <a:srcRect l="20817" r="22367"/>
+          <a:stretch/>
+        </p:blipFill>
         <p:spPr>
           <a:xfrm>
-            <a:off x="2930267" y="2130426"/>
-            <a:ext cx="7432933" cy="537663"/>
+            <a:off x="1" y="12701"/>
+            <a:ext cx="12192001" cy="6857999"/>
           </a:xfrm>
           <a:prstGeom prst="rect">
             <a:avLst/>
@@ -7591,239 +7322,24 @@
             <a:noFill/>
           </a:ln>
         </p:spPr>
-        <p:txBody>
-          <a:bodyPr spcFirstLastPara="1" wrap="square" lIns="91425" tIns="91425" rIns="91425" bIns="91425" anchor="t" anchorCtr="0"/>
-          <a:lstStyle>
-            <a:lvl1pPr marL="0" marR="0" lvl="0" indent="0" algn="r" rtl="0">
-              <a:spcBef>
-                <a:spcPts val="0"/>
-              </a:spcBef>
-              <a:spcAft>
-                <a:spcPts val="0"/>
-              </a:spcAft>
-              <a:buClr>
-                <a:srgbClr val="27AAE1"/>
-              </a:buClr>
-              <a:buSzPts val="1400"/>
-              <a:buFont typeface="Calibri"/>
-              <a:buNone/>
-              <a:defRPr sz="3200" b="1" i="0" u="none" strike="noStrike" cap="none">
-                <a:solidFill>
-                  <a:srgbClr val="27AAE1"/>
-                </a:solidFill>
-                <a:latin typeface="Calibri"/>
-                <a:ea typeface="Calibri"/>
-                <a:cs typeface="Calibri"/>
-                <a:sym typeface="Calibri"/>
-              </a:defRPr>
-            </a:lvl1pPr>
-            <a:lvl2pPr lvl="1" indent="0">
-              <a:spcBef>
-                <a:spcPts val="0"/>
-              </a:spcBef>
-              <a:spcAft>
-                <a:spcPts val="0"/>
-              </a:spcAft>
-              <a:buSzPts val="1400"/>
-              <a:buNone/>
-              <a:defRPr sz="1800"/>
-            </a:lvl2pPr>
-            <a:lvl3pPr lvl="2" indent="0">
-              <a:spcBef>
-                <a:spcPts val="0"/>
-              </a:spcBef>
-              <a:spcAft>
-                <a:spcPts val="0"/>
-              </a:spcAft>
-              <a:buSzPts val="1400"/>
-              <a:buNone/>
-              <a:defRPr sz="1800"/>
-            </a:lvl3pPr>
-            <a:lvl4pPr lvl="3" indent="0">
-              <a:spcBef>
-                <a:spcPts val="0"/>
-              </a:spcBef>
-              <a:spcAft>
-                <a:spcPts val="0"/>
-              </a:spcAft>
-              <a:buSzPts val="1400"/>
-              <a:buNone/>
-              <a:defRPr sz="1800"/>
-            </a:lvl4pPr>
-            <a:lvl5pPr lvl="4" indent="0">
-              <a:spcBef>
-                <a:spcPts val="0"/>
-              </a:spcBef>
-              <a:spcAft>
-                <a:spcPts val="0"/>
-              </a:spcAft>
-              <a:buSzPts val="1400"/>
-              <a:buNone/>
-              <a:defRPr sz="1800"/>
-            </a:lvl5pPr>
-            <a:lvl6pPr lvl="5" indent="0">
-              <a:spcBef>
-                <a:spcPts val="0"/>
-              </a:spcBef>
-              <a:spcAft>
-                <a:spcPts val="0"/>
-              </a:spcAft>
-              <a:buSzPts val="1400"/>
-              <a:buNone/>
-              <a:defRPr sz="1800"/>
-            </a:lvl6pPr>
-            <a:lvl7pPr lvl="6" indent="0">
-              <a:spcBef>
-                <a:spcPts val="0"/>
-              </a:spcBef>
-              <a:spcAft>
-                <a:spcPts val="0"/>
-              </a:spcAft>
-              <a:buSzPts val="1400"/>
-              <a:buNone/>
-              <a:defRPr sz="1800"/>
-            </a:lvl7pPr>
-            <a:lvl8pPr lvl="7" indent="0">
-              <a:spcBef>
-                <a:spcPts val="0"/>
-              </a:spcBef>
-              <a:spcAft>
-                <a:spcPts val="0"/>
-              </a:spcAft>
-              <a:buSzPts val="1400"/>
-              <a:buNone/>
-              <a:defRPr sz="1800"/>
-            </a:lvl8pPr>
-            <a:lvl9pPr lvl="8" indent="0">
-              <a:spcBef>
-                <a:spcPts val="0"/>
-              </a:spcBef>
-              <a:spcAft>
-                <a:spcPts val="0"/>
-              </a:spcAft>
-              <a:buSzPts val="1400"/>
-              <a:buNone/>
-              <a:defRPr sz="1800"/>
-            </a:lvl9pPr>
-          </a:lstStyle>
-          <a:p>
-            <a:endParaRPr/>
-          </a:p>
-        </p:txBody>
-      </p:sp>
-      <p:sp>
-        <p:nvSpPr>
-          <p:cNvPr id="20" name="Shape 20"/>
-          <p:cNvSpPr/>
+      </p:pic>
+      <p:pic>
+        <p:nvPicPr>
+          <p:cNvPr id="9" name="Shape 9"/>
+          <p:cNvPicPr preferRelativeResize="0"/>
           <p:nvPr/>
-        </p:nvSpPr>
+        </p:nvPicPr>
+        <p:blipFill rotWithShape="1">
+          <a:blip r:embed="rId3">
+            <a:alphaModFix/>
+          </a:blip>
+          <a:srcRect b="7577"/>
+          <a:stretch/>
+        </p:blipFill>
         <p:spPr>
           <a:xfrm>
-            <a:off x="11213943" y="2130425"/>
-            <a:ext cx="2191077" cy="1416644"/>
-          </a:xfrm>
-          <a:prstGeom prst="hexagon">
-            <a:avLst>
-              <a:gd name="adj" fmla="val 25000"/>
-              <a:gd name="vf" fmla="val 115470"/>
-            </a:avLst>
-          </a:prstGeom>
-          <a:solidFill>
-            <a:srgbClr val="27AAE1"/>
-          </a:solidFill>
-          <a:ln>
-            <a:noFill/>
-          </a:ln>
-        </p:spPr>
-        <p:txBody>
-          <a:bodyPr spcFirstLastPara="1" wrap="square" lIns="91425" tIns="45700" rIns="91425" bIns="45700" anchor="ctr" anchorCtr="0">
-            <a:noAutofit/>
-          </a:bodyPr>
-          <a:lstStyle/>
-          <a:p>
-            <a:pPr marL="0" marR="0" lvl="0" indent="0" algn="ctr" rtl="0">
-              <a:spcBef>
-                <a:spcPts val="0"/>
-              </a:spcBef>
-              <a:spcAft>
-                <a:spcPts val="0"/>
-              </a:spcAft>
-              <a:buNone/>
-            </a:pPr>
-            <a:endParaRPr sz="1800">
-              <a:solidFill>
-                <a:schemeClr val="lt1"/>
-              </a:solidFill>
-              <a:latin typeface="Calibri"/>
-              <a:ea typeface="Calibri"/>
-              <a:cs typeface="Calibri"/>
-              <a:sym typeface="Calibri"/>
-            </a:endParaRPr>
-          </a:p>
-        </p:txBody>
-      </p:sp>
-      <p:sp>
-        <p:nvSpPr>
-          <p:cNvPr id="21" name="Shape 21"/>
-          <p:cNvSpPr/>
-          <p:nvPr/>
-        </p:nvSpPr>
-        <p:spPr>
-          <a:xfrm>
-            <a:off x="-50550" y="5587638"/>
-            <a:ext cx="12359447" cy="1384086"/>
-          </a:xfrm>
-          <a:prstGeom prst="rect">
-            <a:avLst/>
-          </a:prstGeom>
-          <a:solidFill>
-            <a:schemeClr val="lt1"/>
-          </a:solidFill>
-          <a:ln>
-            <a:noFill/>
-          </a:ln>
-        </p:spPr>
-        <p:txBody>
-          <a:bodyPr spcFirstLastPara="1" wrap="square" lIns="91425" tIns="45700" rIns="91425" bIns="45700" anchor="ctr" anchorCtr="0">
-            <a:noAutofit/>
-          </a:bodyPr>
-          <a:lstStyle/>
-          <a:p>
-            <a:pPr marL="0" marR="0" lvl="0" indent="0" algn="ctr" rtl="0">
-              <a:spcBef>
-                <a:spcPts val="0"/>
-              </a:spcBef>
-              <a:spcAft>
-                <a:spcPts val="0"/>
-              </a:spcAft>
-              <a:buNone/>
-            </a:pPr>
-            <a:endParaRPr sz="1800">
-              <a:solidFill>
-                <a:schemeClr val="lt1"/>
-              </a:solidFill>
-              <a:latin typeface="Calibri"/>
-              <a:ea typeface="Calibri"/>
-              <a:cs typeface="Calibri"/>
-              <a:sym typeface="Calibri"/>
-            </a:endParaRPr>
-          </a:p>
-        </p:txBody>
-      </p:sp>
-      <p:sp>
-        <p:nvSpPr>
-          <p:cNvPr id="22" name="Shape 22"/>
-          <p:cNvSpPr txBox="1">
-            <a:spLocks noGrp="1"/>
-          </p:cNvSpPr>
-          <p:nvPr>
-            <p:ph type="body" idx="1"/>
-          </p:nvPr>
-        </p:nvSpPr>
-        <p:spPr>
-          <a:xfrm>
-            <a:off x="2929467" y="3119007"/>
-            <a:ext cx="7433733" cy="657225"/>
+            <a:off x="2394700" y="2042100"/>
+            <a:ext cx="7223432" cy="2594699"/>
           </a:xfrm>
           <a:prstGeom prst="rect">
             <a:avLst/>
@@ -7833,701 +7349,13 @@
             <a:noFill/>
           </a:ln>
         </p:spPr>
-        <p:txBody>
-          <a:bodyPr spcFirstLastPara="1" wrap="square" lIns="91425" tIns="91425" rIns="91425" bIns="91425" anchor="t" anchorCtr="0"/>
-          <a:lstStyle>
-            <a:lvl1pPr marL="457200" marR="0" lvl="0" indent="-228600" algn="r" rtl="0">
-              <a:spcBef>
-                <a:spcPts val="560"/>
-              </a:spcBef>
-              <a:spcAft>
-                <a:spcPts val="0"/>
-              </a:spcAft>
-              <a:buClr>
-                <a:srgbClr val="3F3F3F"/>
-              </a:buClr>
-              <a:buSzPts val="1400"/>
-              <a:buFont typeface="Arial"/>
-              <a:buNone/>
-              <a:defRPr sz="2800" b="0" i="0" u="none" strike="noStrike" cap="none">
-                <a:solidFill>
-                  <a:srgbClr val="3F3F3F"/>
-                </a:solidFill>
-                <a:latin typeface="Calibri"/>
-                <a:ea typeface="Calibri"/>
-                <a:cs typeface="Calibri"/>
-                <a:sym typeface="Calibri"/>
-              </a:defRPr>
-            </a:lvl1pPr>
-            <a:lvl2pPr marL="914400" marR="0" lvl="1" indent="-406400" algn="l" rtl="0">
-              <a:spcBef>
-                <a:spcPts val="560"/>
-              </a:spcBef>
-              <a:spcAft>
-                <a:spcPts val="0"/>
-              </a:spcAft>
-              <a:buClr>
-                <a:schemeClr val="dk1"/>
-              </a:buClr>
-              <a:buSzPts val="2800"/>
-              <a:buFont typeface="Arial"/>
-              <a:buChar char="–"/>
-              <a:defRPr sz="2800" b="0" i="0" u="none" strike="noStrike" cap="none">
-                <a:solidFill>
-                  <a:schemeClr val="dk1"/>
-                </a:solidFill>
-                <a:latin typeface="Calibri"/>
-                <a:ea typeface="Calibri"/>
-                <a:cs typeface="Calibri"/>
-                <a:sym typeface="Calibri"/>
-              </a:defRPr>
-            </a:lvl2pPr>
-            <a:lvl3pPr marL="1371600" marR="0" lvl="2" indent="-381000" algn="l" rtl="0">
-              <a:spcBef>
-                <a:spcPts val="480"/>
-              </a:spcBef>
-              <a:spcAft>
-                <a:spcPts val="0"/>
-              </a:spcAft>
-              <a:buClr>
-                <a:schemeClr val="dk1"/>
-              </a:buClr>
-              <a:buSzPts val="2400"/>
-              <a:buFont typeface="Arial"/>
-              <a:buChar char="•"/>
-              <a:defRPr sz="2400" b="0" i="0" u="none" strike="noStrike" cap="none">
-                <a:solidFill>
-                  <a:schemeClr val="dk1"/>
-                </a:solidFill>
-                <a:latin typeface="Calibri"/>
-                <a:ea typeface="Calibri"/>
-                <a:cs typeface="Calibri"/>
-                <a:sym typeface="Calibri"/>
-              </a:defRPr>
-            </a:lvl3pPr>
-            <a:lvl4pPr marL="1828800" marR="0" lvl="3" indent="-355600" algn="l" rtl="0">
-              <a:spcBef>
-                <a:spcPts val="400"/>
-              </a:spcBef>
-              <a:spcAft>
-                <a:spcPts val="0"/>
-              </a:spcAft>
-              <a:buClr>
-                <a:schemeClr val="dk1"/>
-              </a:buClr>
-              <a:buSzPts val="2000"/>
-              <a:buFont typeface="Arial"/>
-              <a:buChar char="–"/>
-              <a:defRPr sz="2000" b="0" i="0" u="none" strike="noStrike" cap="none">
-                <a:solidFill>
-                  <a:schemeClr val="dk1"/>
-                </a:solidFill>
-                <a:latin typeface="Calibri"/>
-                <a:ea typeface="Calibri"/>
-                <a:cs typeface="Calibri"/>
-                <a:sym typeface="Calibri"/>
-              </a:defRPr>
-            </a:lvl4pPr>
-            <a:lvl5pPr marL="2286000" marR="0" lvl="4" indent="-355600" algn="l" rtl="0">
-              <a:spcBef>
-                <a:spcPts val="400"/>
-              </a:spcBef>
-              <a:spcAft>
-                <a:spcPts val="0"/>
-              </a:spcAft>
-              <a:buClr>
-                <a:schemeClr val="dk1"/>
-              </a:buClr>
-              <a:buSzPts val="2000"/>
-              <a:buFont typeface="Arial"/>
-              <a:buChar char="»"/>
-              <a:defRPr sz="2000" b="0" i="0" u="none" strike="noStrike" cap="none">
-                <a:solidFill>
-                  <a:schemeClr val="dk1"/>
-                </a:solidFill>
-                <a:latin typeface="Calibri"/>
-                <a:ea typeface="Calibri"/>
-                <a:cs typeface="Calibri"/>
-                <a:sym typeface="Calibri"/>
-              </a:defRPr>
-            </a:lvl5pPr>
-            <a:lvl6pPr marL="2743200" marR="0" lvl="5" indent="-355600" algn="l" rtl="0">
-              <a:spcBef>
-                <a:spcPts val="400"/>
-              </a:spcBef>
-              <a:spcAft>
-                <a:spcPts val="0"/>
-              </a:spcAft>
-              <a:buClr>
-                <a:schemeClr val="dk1"/>
-              </a:buClr>
-              <a:buSzPts val="2000"/>
-              <a:buFont typeface="Arial"/>
-              <a:buChar char="•"/>
-              <a:defRPr sz="2000" b="0" i="0" u="none" strike="noStrike" cap="none">
-                <a:solidFill>
-                  <a:schemeClr val="dk1"/>
-                </a:solidFill>
-                <a:latin typeface="Calibri"/>
-                <a:ea typeface="Calibri"/>
-                <a:cs typeface="Calibri"/>
-                <a:sym typeface="Calibri"/>
-              </a:defRPr>
-            </a:lvl6pPr>
-            <a:lvl7pPr marL="3200400" marR="0" lvl="6" indent="-355600" algn="l" rtl="0">
-              <a:spcBef>
-                <a:spcPts val="400"/>
-              </a:spcBef>
-              <a:spcAft>
-                <a:spcPts val="0"/>
-              </a:spcAft>
-              <a:buClr>
-                <a:schemeClr val="dk1"/>
-              </a:buClr>
-              <a:buSzPts val="2000"/>
-              <a:buFont typeface="Arial"/>
-              <a:buChar char="•"/>
-              <a:defRPr sz="2000" b="0" i="0" u="none" strike="noStrike" cap="none">
-                <a:solidFill>
-                  <a:schemeClr val="dk1"/>
-                </a:solidFill>
-                <a:latin typeface="Calibri"/>
-                <a:ea typeface="Calibri"/>
-                <a:cs typeface="Calibri"/>
-                <a:sym typeface="Calibri"/>
-              </a:defRPr>
-            </a:lvl7pPr>
-            <a:lvl8pPr marL="3657600" marR="0" lvl="7" indent="-355600" algn="l" rtl="0">
-              <a:spcBef>
-                <a:spcPts val="400"/>
-              </a:spcBef>
-              <a:spcAft>
-                <a:spcPts val="0"/>
-              </a:spcAft>
-              <a:buClr>
-                <a:schemeClr val="dk1"/>
-              </a:buClr>
-              <a:buSzPts val="2000"/>
-              <a:buFont typeface="Arial"/>
-              <a:buChar char="•"/>
-              <a:defRPr sz="2000" b="0" i="0" u="none" strike="noStrike" cap="none">
-                <a:solidFill>
-                  <a:schemeClr val="dk1"/>
-                </a:solidFill>
-                <a:latin typeface="Calibri"/>
-                <a:ea typeface="Calibri"/>
-                <a:cs typeface="Calibri"/>
-                <a:sym typeface="Calibri"/>
-              </a:defRPr>
-            </a:lvl8pPr>
-            <a:lvl9pPr marL="4114800" marR="0" lvl="8" indent="-355600" algn="l" rtl="0">
-              <a:spcBef>
-                <a:spcPts val="400"/>
-              </a:spcBef>
-              <a:spcAft>
-                <a:spcPts val="0"/>
-              </a:spcAft>
-              <a:buClr>
-                <a:schemeClr val="dk1"/>
-              </a:buClr>
-              <a:buSzPts val="2000"/>
-              <a:buFont typeface="Arial"/>
-              <a:buChar char="•"/>
-              <a:defRPr sz="2000" b="0" i="0" u="none" strike="noStrike" cap="none">
-                <a:solidFill>
-                  <a:schemeClr val="dk1"/>
-                </a:solidFill>
-                <a:latin typeface="Calibri"/>
-                <a:ea typeface="Calibri"/>
-                <a:cs typeface="Calibri"/>
-                <a:sym typeface="Calibri"/>
-              </a:defRPr>
-            </a:lvl9pPr>
-          </a:lstStyle>
-          <a:p>
-            <a:endParaRPr/>
-          </a:p>
-        </p:txBody>
-      </p:sp>
-      <p:sp>
-        <p:nvSpPr>
-          <p:cNvPr id="23" name="Shape 23"/>
-          <p:cNvSpPr txBox="1">
-            <a:spLocks noGrp="1"/>
-          </p:cNvSpPr>
-          <p:nvPr>
-            <p:ph type="body" idx="2"/>
-          </p:nvPr>
-        </p:nvSpPr>
-        <p:spPr>
-          <a:xfrm>
-            <a:off x="2929467" y="3547070"/>
-            <a:ext cx="7433733" cy="657225"/>
-          </a:xfrm>
-          <a:prstGeom prst="rect">
-            <a:avLst/>
-          </a:prstGeom>
-          <a:noFill/>
-          <a:ln>
-            <a:noFill/>
-          </a:ln>
-        </p:spPr>
-        <p:txBody>
-          <a:bodyPr spcFirstLastPara="1" wrap="square" lIns="91425" tIns="91425" rIns="91425" bIns="91425" anchor="t" anchorCtr="0"/>
-          <a:lstStyle>
-            <a:lvl1pPr marL="457200" marR="0" lvl="0" indent="-228600" algn="r" rtl="0">
-              <a:spcBef>
-                <a:spcPts val="560"/>
-              </a:spcBef>
-              <a:spcAft>
-                <a:spcPts val="0"/>
-              </a:spcAft>
-              <a:buClr>
-                <a:srgbClr val="3F3F3F"/>
-              </a:buClr>
-              <a:buSzPts val="1400"/>
-              <a:buFont typeface="Arial"/>
-              <a:buNone/>
-              <a:defRPr sz="2800" b="0" i="0" u="none" strike="noStrike" cap="none">
-                <a:solidFill>
-                  <a:srgbClr val="3F3F3F"/>
-                </a:solidFill>
-                <a:latin typeface="Calibri"/>
-                <a:ea typeface="Calibri"/>
-                <a:cs typeface="Calibri"/>
-                <a:sym typeface="Calibri"/>
-              </a:defRPr>
-            </a:lvl1pPr>
-            <a:lvl2pPr marL="914400" marR="0" lvl="1" indent="-406400" algn="l" rtl="0">
-              <a:spcBef>
-                <a:spcPts val="560"/>
-              </a:spcBef>
-              <a:spcAft>
-                <a:spcPts val="0"/>
-              </a:spcAft>
-              <a:buClr>
-                <a:schemeClr val="dk1"/>
-              </a:buClr>
-              <a:buSzPts val="2800"/>
-              <a:buFont typeface="Arial"/>
-              <a:buChar char="–"/>
-              <a:defRPr sz="2800" b="0" i="0" u="none" strike="noStrike" cap="none">
-                <a:solidFill>
-                  <a:schemeClr val="dk1"/>
-                </a:solidFill>
-                <a:latin typeface="Calibri"/>
-                <a:ea typeface="Calibri"/>
-                <a:cs typeface="Calibri"/>
-                <a:sym typeface="Calibri"/>
-              </a:defRPr>
-            </a:lvl2pPr>
-            <a:lvl3pPr marL="1371600" marR="0" lvl="2" indent="-381000" algn="l" rtl="0">
-              <a:spcBef>
-                <a:spcPts val="480"/>
-              </a:spcBef>
-              <a:spcAft>
-                <a:spcPts val="0"/>
-              </a:spcAft>
-              <a:buClr>
-                <a:schemeClr val="dk1"/>
-              </a:buClr>
-              <a:buSzPts val="2400"/>
-              <a:buFont typeface="Arial"/>
-              <a:buChar char="•"/>
-              <a:defRPr sz="2400" b="0" i="0" u="none" strike="noStrike" cap="none">
-                <a:solidFill>
-                  <a:schemeClr val="dk1"/>
-                </a:solidFill>
-                <a:latin typeface="Calibri"/>
-                <a:ea typeface="Calibri"/>
-                <a:cs typeface="Calibri"/>
-                <a:sym typeface="Calibri"/>
-              </a:defRPr>
-            </a:lvl3pPr>
-            <a:lvl4pPr marL="1828800" marR="0" lvl="3" indent="-355600" algn="l" rtl="0">
-              <a:spcBef>
-                <a:spcPts val="400"/>
-              </a:spcBef>
-              <a:spcAft>
-                <a:spcPts val="0"/>
-              </a:spcAft>
-              <a:buClr>
-                <a:schemeClr val="dk1"/>
-              </a:buClr>
-              <a:buSzPts val="2000"/>
-              <a:buFont typeface="Arial"/>
-              <a:buChar char="–"/>
-              <a:defRPr sz="2000" b="0" i="0" u="none" strike="noStrike" cap="none">
-                <a:solidFill>
-                  <a:schemeClr val="dk1"/>
-                </a:solidFill>
-                <a:latin typeface="Calibri"/>
-                <a:ea typeface="Calibri"/>
-                <a:cs typeface="Calibri"/>
-                <a:sym typeface="Calibri"/>
-              </a:defRPr>
-            </a:lvl4pPr>
-            <a:lvl5pPr marL="2286000" marR="0" lvl="4" indent="-355600" algn="l" rtl="0">
-              <a:spcBef>
-                <a:spcPts val="400"/>
-              </a:spcBef>
-              <a:spcAft>
-                <a:spcPts val="0"/>
-              </a:spcAft>
-              <a:buClr>
-                <a:schemeClr val="dk1"/>
-              </a:buClr>
-              <a:buSzPts val="2000"/>
-              <a:buFont typeface="Arial"/>
-              <a:buChar char="»"/>
-              <a:defRPr sz="2000" b="0" i="0" u="none" strike="noStrike" cap="none">
-                <a:solidFill>
-                  <a:schemeClr val="dk1"/>
-                </a:solidFill>
-                <a:latin typeface="Calibri"/>
-                <a:ea typeface="Calibri"/>
-                <a:cs typeface="Calibri"/>
-                <a:sym typeface="Calibri"/>
-              </a:defRPr>
-            </a:lvl5pPr>
-            <a:lvl6pPr marL="2743200" marR="0" lvl="5" indent="-355600" algn="l" rtl="0">
-              <a:spcBef>
-                <a:spcPts val="400"/>
-              </a:spcBef>
-              <a:spcAft>
-                <a:spcPts val="0"/>
-              </a:spcAft>
-              <a:buClr>
-                <a:schemeClr val="dk1"/>
-              </a:buClr>
-              <a:buSzPts val="2000"/>
-              <a:buFont typeface="Arial"/>
-              <a:buChar char="•"/>
-              <a:defRPr sz="2000" b="0" i="0" u="none" strike="noStrike" cap="none">
-                <a:solidFill>
-                  <a:schemeClr val="dk1"/>
-                </a:solidFill>
-                <a:latin typeface="Calibri"/>
-                <a:ea typeface="Calibri"/>
-                <a:cs typeface="Calibri"/>
-                <a:sym typeface="Calibri"/>
-              </a:defRPr>
-            </a:lvl6pPr>
-            <a:lvl7pPr marL="3200400" marR="0" lvl="6" indent="-355600" algn="l" rtl="0">
-              <a:spcBef>
-                <a:spcPts val="400"/>
-              </a:spcBef>
-              <a:spcAft>
-                <a:spcPts val="0"/>
-              </a:spcAft>
-              <a:buClr>
-                <a:schemeClr val="dk1"/>
-              </a:buClr>
-              <a:buSzPts val="2000"/>
-              <a:buFont typeface="Arial"/>
-              <a:buChar char="•"/>
-              <a:defRPr sz="2000" b="0" i="0" u="none" strike="noStrike" cap="none">
-                <a:solidFill>
-                  <a:schemeClr val="dk1"/>
-                </a:solidFill>
-                <a:latin typeface="Calibri"/>
-                <a:ea typeface="Calibri"/>
-                <a:cs typeface="Calibri"/>
-                <a:sym typeface="Calibri"/>
-              </a:defRPr>
-            </a:lvl7pPr>
-            <a:lvl8pPr marL="3657600" marR="0" lvl="7" indent="-355600" algn="l" rtl="0">
-              <a:spcBef>
-                <a:spcPts val="400"/>
-              </a:spcBef>
-              <a:spcAft>
-                <a:spcPts val="0"/>
-              </a:spcAft>
-              <a:buClr>
-                <a:schemeClr val="dk1"/>
-              </a:buClr>
-              <a:buSzPts val="2000"/>
-              <a:buFont typeface="Arial"/>
-              <a:buChar char="•"/>
-              <a:defRPr sz="2000" b="0" i="0" u="none" strike="noStrike" cap="none">
-                <a:solidFill>
-                  <a:schemeClr val="dk1"/>
-                </a:solidFill>
-                <a:latin typeface="Calibri"/>
-                <a:ea typeface="Calibri"/>
-                <a:cs typeface="Calibri"/>
-                <a:sym typeface="Calibri"/>
-              </a:defRPr>
-            </a:lvl8pPr>
-            <a:lvl9pPr marL="4114800" marR="0" lvl="8" indent="-355600" algn="l" rtl="0">
-              <a:spcBef>
-                <a:spcPts val="400"/>
-              </a:spcBef>
-              <a:spcAft>
-                <a:spcPts val="0"/>
-              </a:spcAft>
-              <a:buClr>
-                <a:schemeClr val="dk1"/>
-              </a:buClr>
-              <a:buSzPts val="2000"/>
-              <a:buFont typeface="Arial"/>
-              <a:buChar char="•"/>
-              <a:defRPr sz="2000" b="0" i="0" u="none" strike="noStrike" cap="none">
-                <a:solidFill>
-                  <a:schemeClr val="dk1"/>
-                </a:solidFill>
-                <a:latin typeface="Calibri"/>
-                <a:ea typeface="Calibri"/>
-                <a:cs typeface="Calibri"/>
-                <a:sym typeface="Calibri"/>
-              </a:defRPr>
-            </a:lvl9pPr>
-          </a:lstStyle>
-          <a:p>
-            <a:endParaRPr/>
-          </a:p>
-        </p:txBody>
-      </p:sp>
-      <p:sp>
-        <p:nvSpPr>
-          <p:cNvPr id="24" name="Shape 24"/>
-          <p:cNvSpPr txBox="1">
-            <a:spLocks noGrp="1"/>
-          </p:cNvSpPr>
-          <p:nvPr>
-            <p:ph type="body" idx="3"/>
-          </p:nvPr>
-        </p:nvSpPr>
-        <p:spPr>
-          <a:xfrm>
-            <a:off x="2929467" y="3961296"/>
-            <a:ext cx="7433733" cy="657225"/>
-          </a:xfrm>
-          <a:prstGeom prst="rect">
-            <a:avLst/>
-          </a:prstGeom>
-          <a:noFill/>
-          <a:ln>
-            <a:noFill/>
-          </a:ln>
-        </p:spPr>
-        <p:txBody>
-          <a:bodyPr spcFirstLastPara="1" wrap="square" lIns="91425" tIns="91425" rIns="91425" bIns="91425" anchor="t" anchorCtr="0"/>
-          <a:lstStyle>
-            <a:lvl1pPr marL="457200" marR="0" lvl="0" indent="-228600" algn="r" rtl="0">
-              <a:spcBef>
-                <a:spcPts val="560"/>
-              </a:spcBef>
-              <a:spcAft>
-                <a:spcPts val="0"/>
-              </a:spcAft>
-              <a:buClr>
-                <a:srgbClr val="3F3F3F"/>
-              </a:buClr>
-              <a:buSzPts val="1400"/>
-              <a:buFont typeface="Arial"/>
-              <a:buNone/>
-              <a:defRPr sz="2800" b="0" i="0" u="none" strike="noStrike" cap="none">
-                <a:solidFill>
-                  <a:srgbClr val="3F3F3F"/>
-                </a:solidFill>
-                <a:latin typeface="Calibri"/>
-                <a:ea typeface="Calibri"/>
-                <a:cs typeface="Calibri"/>
-                <a:sym typeface="Calibri"/>
-              </a:defRPr>
-            </a:lvl1pPr>
-            <a:lvl2pPr marL="914400" marR="0" lvl="1" indent="-406400" algn="l" rtl="0">
-              <a:spcBef>
-                <a:spcPts val="560"/>
-              </a:spcBef>
-              <a:spcAft>
-                <a:spcPts val="0"/>
-              </a:spcAft>
-              <a:buClr>
-                <a:schemeClr val="dk1"/>
-              </a:buClr>
-              <a:buSzPts val="2800"/>
-              <a:buFont typeface="Arial"/>
-              <a:buChar char="–"/>
-              <a:defRPr sz="2800" b="0" i="0" u="none" strike="noStrike" cap="none">
-                <a:solidFill>
-                  <a:schemeClr val="dk1"/>
-                </a:solidFill>
-                <a:latin typeface="Calibri"/>
-                <a:ea typeface="Calibri"/>
-                <a:cs typeface="Calibri"/>
-                <a:sym typeface="Calibri"/>
-              </a:defRPr>
-            </a:lvl2pPr>
-            <a:lvl3pPr marL="1371600" marR="0" lvl="2" indent="-381000" algn="l" rtl="0">
-              <a:spcBef>
-                <a:spcPts val="480"/>
-              </a:spcBef>
-              <a:spcAft>
-                <a:spcPts val="0"/>
-              </a:spcAft>
-              <a:buClr>
-                <a:schemeClr val="dk1"/>
-              </a:buClr>
-              <a:buSzPts val="2400"/>
-              <a:buFont typeface="Arial"/>
-              <a:buChar char="•"/>
-              <a:defRPr sz="2400" b="0" i="0" u="none" strike="noStrike" cap="none">
-                <a:solidFill>
-                  <a:schemeClr val="dk1"/>
-                </a:solidFill>
-                <a:latin typeface="Calibri"/>
-                <a:ea typeface="Calibri"/>
-                <a:cs typeface="Calibri"/>
-                <a:sym typeface="Calibri"/>
-              </a:defRPr>
-            </a:lvl3pPr>
-            <a:lvl4pPr marL="1828800" marR="0" lvl="3" indent="-355600" algn="l" rtl="0">
-              <a:spcBef>
-                <a:spcPts val="400"/>
-              </a:spcBef>
-              <a:spcAft>
-                <a:spcPts val="0"/>
-              </a:spcAft>
-              <a:buClr>
-                <a:schemeClr val="dk1"/>
-              </a:buClr>
-              <a:buSzPts val="2000"/>
-              <a:buFont typeface="Arial"/>
-              <a:buChar char="–"/>
-              <a:defRPr sz="2000" b="0" i="0" u="none" strike="noStrike" cap="none">
-                <a:solidFill>
-                  <a:schemeClr val="dk1"/>
-                </a:solidFill>
-                <a:latin typeface="Calibri"/>
-                <a:ea typeface="Calibri"/>
-                <a:cs typeface="Calibri"/>
-                <a:sym typeface="Calibri"/>
-              </a:defRPr>
-            </a:lvl4pPr>
-            <a:lvl5pPr marL="2286000" marR="0" lvl="4" indent="-355600" algn="l" rtl="0">
-              <a:spcBef>
-                <a:spcPts val="400"/>
-              </a:spcBef>
-              <a:spcAft>
-                <a:spcPts val="0"/>
-              </a:spcAft>
-              <a:buClr>
-                <a:schemeClr val="dk1"/>
-              </a:buClr>
-              <a:buSzPts val="2000"/>
-              <a:buFont typeface="Arial"/>
-              <a:buChar char="»"/>
-              <a:defRPr sz="2000" b="0" i="0" u="none" strike="noStrike" cap="none">
-                <a:solidFill>
-                  <a:schemeClr val="dk1"/>
-                </a:solidFill>
-                <a:latin typeface="Calibri"/>
-                <a:ea typeface="Calibri"/>
-                <a:cs typeface="Calibri"/>
-                <a:sym typeface="Calibri"/>
-              </a:defRPr>
-            </a:lvl5pPr>
-            <a:lvl6pPr marL="2743200" marR="0" lvl="5" indent="-355600" algn="l" rtl="0">
-              <a:spcBef>
-                <a:spcPts val="400"/>
-              </a:spcBef>
-              <a:spcAft>
-                <a:spcPts val="0"/>
-              </a:spcAft>
-              <a:buClr>
-                <a:schemeClr val="dk1"/>
-              </a:buClr>
-              <a:buSzPts val="2000"/>
-              <a:buFont typeface="Arial"/>
-              <a:buChar char="•"/>
-              <a:defRPr sz="2000" b="0" i="0" u="none" strike="noStrike" cap="none">
-                <a:solidFill>
-                  <a:schemeClr val="dk1"/>
-                </a:solidFill>
-                <a:latin typeface="Calibri"/>
-                <a:ea typeface="Calibri"/>
-                <a:cs typeface="Calibri"/>
-                <a:sym typeface="Calibri"/>
-              </a:defRPr>
-            </a:lvl6pPr>
-            <a:lvl7pPr marL="3200400" marR="0" lvl="6" indent="-355600" algn="l" rtl="0">
-              <a:spcBef>
-                <a:spcPts val="400"/>
-              </a:spcBef>
-              <a:spcAft>
-                <a:spcPts val="0"/>
-              </a:spcAft>
-              <a:buClr>
-                <a:schemeClr val="dk1"/>
-              </a:buClr>
-              <a:buSzPts val="2000"/>
-              <a:buFont typeface="Arial"/>
-              <a:buChar char="•"/>
-              <a:defRPr sz="2000" b="0" i="0" u="none" strike="noStrike" cap="none">
-                <a:solidFill>
-                  <a:schemeClr val="dk1"/>
-                </a:solidFill>
-                <a:latin typeface="Calibri"/>
-                <a:ea typeface="Calibri"/>
-                <a:cs typeface="Calibri"/>
-                <a:sym typeface="Calibri"/>
-              </a:defRPr>
-            </a:lvl7pPr>
-            <a:lvl8pPr marL="3657600" marR="0" lvl="7" indent="-355600" algn="l" rtl="0">
-              <a:spcBef>
-                <a:spcPts val="400"/>
-              </a:spcBef>
-              <a:spcAft>
-                <a:spcPts val="0"/>
-              </a:spcAft>
-              <a:buClr>
-                <a:schemeClr val="dk1"/>
-              </a:buClr>
-              <a:buSzPts val="2000"/>
-              <a:buFont typeface="Arial"/>
-              <a:buChar char="•"/>
-              <a:defRPr sz="2000" b="0" i="0" u="none" strike="noStrike" cap="none">
-                <a:solidFill>
-                  <a:schemeClr val="dk1"/>
-                </a:solidFill>
-                <a:latin typeface="Calibri"/>
-                <a:ea typeface="Calibri"/>
-                <a:cs typeface="Calibri"/>
-                <a:sym typeface="Calibri"/>
-              </a:defRPr>
-            </a:lvl8pPr>
-            <a:lvl9pPr marL="4114800" marR="0" lvl="8" indent="-355600" algn="l" rtl="0">
-              <a:spcBef>
-                <a:spcPts val="400"/>
-              </a:spcBef>
-              <a:spcAft>
-                <a:spcPts val="0"/>
-              </a:spcAft>
-              <a:buClr>
-                <a:schemeClr val="dk1"/>
-              </a:buClr>
-              <a:buSzPts val="2000"/>
-              <a:buFont typeface="Arial"/>
-              <a:buChar char="•"/>
-              <a:defRPr sz="2000" b="0" i="0" u="none" strike="noStrike" cap="none">
-                <a:solidFill>
-                  <a:schemeClr val="dk1"/>
-                </a:solidFill>
-                <a:latin typeface="Calibri"/>
-                <a:ea typeface="Calibri"/>
-                <a:cs typeface="Calibri"/>
-                <a:sym typeface="Calibri"/>
-              </a:defRPr>
-            </a:lvl9pPr>
-          </a:lstStyle>
-          <a:p>
-            <a:endParaRPr/>
-          </a:p>
-        </p:txBody>
-      </p:sp>
+      </p:pic>
     </p:spTree>
+    <p:extLst>
+      <p:ext uri="{BB962C8B-B14F-4D97-AF65-F5344CB8AC3E}">
+        <p14:creationId xmlns:p14="http://schemas.microsoft.com/office/powerpoint/2010/main" val="3458550627"/>
+      </p:ext>
+    </p:extLst>
   </p:cSld>
   <p:clrMapOvr>
     <a:masterClrMapping/>
@@ -8535,7 +7363,7 @@
 </p:sldLayout>
 </file>
 
-<file path=ppt/slideLayouts/slideLayout3.xml><?xml version="1.0" encoding="utf-8"?>
+<file path=ppt/slideLayouts/slideLayout2.xml><?xml version="1.0" encoding="utf-8"?>
 <p:sldLayout xmlns:a="http://schemas.openxmlformats.org/drawingml/2006/main" xmlns:r="http://schemas.openxmlformats.org/officeDocument/2006/relationships" xmlns:p="http://schemas.openxmlformats.org/presentationml/2006/main" matchingName="Title and Content">
   <p:cSld name="Title and Content">
     <p:spTree>
@@ -9363,7 +8191,7 @@
 </p:sldLayout>
 </file>
 
-<file path=ppt/slideLayouts/slideLayout4.xml><?xml version="1.0" encoding="utf-8"?>
+<file path=ppt/slideLayouts/slideLayout3.xml><?xml version="1.0" encoding="utf-8"?>
 <p:sldLayout xmlns:a="http://schemas.openxmlformats.org/drawingml/2006/main" xmlns:r="http://schemas.openxmlformats.org/officeDocument/2006/relationships" xmlns:p="http://schemas.openxmlformats.org/presentationml/2006/main" matchingName="End Present">
   <p:cSld name="End Present">
     <p:spTree>
@@ -9554,7 +8382,7 @@
 </p:sldLayout>
 </file>
 
-<file path=ppt/slideLayouts/slideLayout5.xml><?xml version="1.0" encoding="utf-8"?>
+<file path=ppt/slideLayouts/slideLayout4.xml><?xml version="1.0" encoding="utf-8"?>
 <p:sldLayout xmlns:a="http://schemas.openxmlformats.org/drawingml/2006/main" xmlns:r="http://schemas.openxmlformats.org/officeDocument/2006/relationships" xmlns:p="http://schemas.openxmlformats.org/presentationml/2006/main" matchingName="Section Header">
   <p:cSld name="Section Header">
     <p:spTree>
@@ -10194,7 +9022,7 @@
 </p:sldLayout>
 </file>
 
-<file path=ppt/slideLayouts/slideLayout6.xml><?xml version="1.0" encoding="utf-8"?>
+<file path=ppt/slideLayouts/slideLayout5.xml><?xml version="1.0" encoding="utf-8"?>
 <p:sldLayout xmlns:a="http://schemas.openxmlformats.org/drawingml/2006/main" xmlns:r="http://schemas.openxmlformats.org/officeDocument/2006/relationships" xmlns:p="http://schemas.openxmlformats.org/presentationml/2006/main" matchingName="Two Content">
   <p:cSld name="Two Content">
     <p:spTree>
@@ -11261,7 +10089,7 @@
 </p:sldLayout>
 </file>
 
-<file path=ppt/slideLayouts/slideLayout7.xml><?xml version="1.0" encoding="utf-8"?>
+<file path=ppt/slideLayouts/slideLayout6.xml><?xml version="1.0" encoding="utf-8"?>
 <p:sldLayout xmlns:a="http://schemas.openxmlformats.org/drawingml/2006/main" xmlns:r="http://schemas.openxmlformats.org/officeDocument/2006/relationships" xmlns:p="http://schemas.openxmlformats.org/presentationml/2006/main" matchingName="Comparison">
   <p:cSld name="Comparison">
     <p:spTree>
@@ -12806,7 +11634,7 @@
 </p:sldLayout>
 </file>
 
-<file path=ppt/slideLayouts/slideLayout8.xml><?xml version="1.0" encoding="utf-8"?>
+<file path=ppt/slideLayouts/slideLayout7.xml><?xml version="1.0" encoding="utf-8"?>
 <p:sldLayout xmlns:a="http://schemas.openxmlformats.org/drawingml/2006/main" xmlns:r="http://schemas.openxmlformats.org/officeDocument/2006/relationships" xmlns:p="http://schemas.openxmlformats.org/presentationml/2006/main" matchingName="Title Only">
   <p:cSld name="Title Only">
     <p:spTree>
@@ -13395,7 +12223,7 @@
 </p:sldLayout>
 </file>
 
-<file path=ppt/slideLayouts/slideLayout9.xml><?xml version="1.0" encoding="utf-8"?>
+<file path=ppt/slideLayouts/slideLayout8.xml><?xml version="1.0" encoding="utf-8"?>
 <p:sldLayout xmlns:a="http://schemas.openxmlformats.org/drawingml/2006/main" xmlns:r="http://schemas.openxmlformats.org/officeDocument/2006/relationships" xmlns:p="http://schemas.openxmlformats.org/presentationml/2006/main" matchingName="Content with Caption">
   <p:cSld name="Content with Caption">
     <p:spTree>
@@ -14218,6 +13046,1073 @@
       <p:sp>
         <p:nvSpPr>
           <p:cNvPr id="62" name="Shape 62"/>
+          <p:cNvSpPr txBox="1">
+            <a:spLocks noGrp="1"/>
+          </p:cNvSpPr>
+          <p:nvPr>
+            <p:ph type="body" idx="3"/>
+          </p:nvPr>
+        </p:nvSpPr>
+        <p:spPr>
+          <a:xfrm>
+            <a:off x="514460" y="6421403"/>
+            <a:ext cx="7433733" cy="441951"/>
+          </a:xfrm>
+          <a:prstGeom prst="rect">
+            <a:avLst/>
+          </a:prstGeom>
+          <a:noFill/>
+          <a:ln>
+            <a:noFill/>
+          </a:ln>
+        </p:spPr>
+        <p:txBody>
+          <a:bodyPr spcFirstLastPara="1" wrap="square" lIns="91425" tIns="91425" rIns="91425" bIns="91425" anchor="t" anchorCtr="0"/>
+          <a:lstStyle>
+            <a:lvl1pPr marL="457200" marR="0" lvl="0" indent="-228600" algn="l" rtl="0">
+              <a:spcBef>
+                <a:spcPts val="360"/>
+              </a:spcBef>
+              <a:spcAft>
+                <a:spcPts val="0"/>
+              </a:spcAft>
+              <a:buClr>
+                <a:schemeClr val="lt1"/>
+              </a:buClr>
+              <a:buSzPts val="1400"/>
+              <a:buFont typeface="Arial"/>
+              <a:buNone/>
+              <a:defRPr sz="1800" b="0" i="0" u="none" strike="noStrike" cap="none">
+                <a:solidFill>
+                  <a:schemeClr val="lt1"/>
+                </a:solidFill>
+                <a:latin typeface="Calibri"/>
+                <a:ea typeface="Calibri"/>
+                <a:cs typeface="Calibri"/>
+                <a:sym typeface="Calibri"/>
+              </a:defRPr>
+            </a:lvl1pPr>
+            <a:lvl2pPr marL="914400" marR="0" lvl="1" indent="-406400" algn="l" rtl="0">
+              <a:spcBef>
+                <a:spcPts val="560"/>
+              </a:spcBef>
+              <a:spcAft>
+                <a:spcPts val="0"/>
+              </a:spcAft>
+              <a:buClr>
+                <a:schemeClr val="dk1"/>
+              </a:buClr>
+              <a:buSzPts val="2800"/>
+              <a:buFont typeface="Arial"/>
+              <a:buChar char="–"/>
+              <a:defRPr sz="2800" b="0" i="0" u="none" strike="noStrike" cap="none">
+                <a:solidFill>
+                  <a:schemeClr val="dk1"/>
+                </a:solidFill>
+                <a:latin typeface="Calibri"/>
+                <a:ea typeface="Calibri"/>
+                <a:cs typeface="Calibri"/>
+                <a:sym typeface="Calibri"/>
+              </a:defRPr>
+            </a:lvl2pPr>
+            <a:lvl3pPr marL="1371600" marR="0" lvl="2" indent="-381000" algn="l" rtl="0">
+              <a:spcBef>
+                <a:spcPts val="480"/>
+              </a:spcBef>
+              <a:spcAft>
+                <a:spcPts val="0"/>
+              </a:spcAft>
+              <a:buClr>
+                <a:schemeClr val="dk1"/>
+              </a:buClr>
+              <a:buSzPts val="2400"/>
+              <a:buFont typeface="Arial"/>
+              <a:buChar char="•"/>
+              <a:defRPr sz="2400" b="0" i="0" u="none" strike="noStrike" cap="none">
+                <a:solidFill>
+                  <a:schemeClr val="dk1"/>
+                </a:solidFill>
+                <a:latin typeface="Calibri"/>
+                <a:ea typeface="Calibri"/>
+                <a:cs typeface="Calibri"/>
+                <a:sym typeface="Calibri"/>
+              </a:defRPr>
+            </a:lvl3pPr>
+            <a:lvl4pPr marL="1828800" marR="0" lvl="3" indent="-355600" algn="l" rtl="0">
+              <a:spcBef>
+                <a:spcPts val="400"/>
+              </a:spcBef>
+              <a:spcAft>
+                <a:spcPts val="0"/>
+              </a:spcAft>
+              <a:buClr>
+                <a:schemeClr val="dk1"/>
+              </a:buClr>
+              <a:buSzPts val="2000"/>
+              <a:buFont typeface="Arial"/>
+              <a:buChar char="–"/>
+              <a:defRPr sz="2000" b="0" i="0" u="none" strike="noStrike" cap="none">
+                <a:solidFill>
+                  <a:schemeClr val="dk1"/>
+                </a:solidFill>
+                <a:latin typeface="Calibri"/>
+                <a:ea typeface="Calibri"/>
+                <a:cs typeface="Calibri"/>
+                <a:sym typeface="Calibri"/>
+              </a:defRPr>
+            </a:lvl4pPr>
+            <a:lvl5pPr marL="2286000" marR="0" lvl="4" indent="-355600" algn="l" rtl="0">
+              <a:spcBef>
+                <a:spcPts val="400"/>
+              </a:spcBef>
+              <a:spcAft>
+                <a:spcPts val="0"/>
+              </a:spcAft>
+              <a:buClr>
+                <a:schemeClr val="dk1"/>
+              </a:buClr>
+              <a:buSzPts val="2000"/>
+              <a:buFont typeface="Arial"/>
+              <a:buChar char="»"/>
+              <a:defRPr sz="2000" b="0" i="0" u="none" strike="noStrike" cap="none">
+                <a:solidFill>
+                  <a:schemeClr val="dk1"/>
+                </a:solidFill>
+                <a:latin typeface="Calibri"/>
+                <a:ea typeface="Calibri"/>
+                <a:cs typeface="Calibri"/>
+                <a:sym typeface="Calibri"/>
+              </a:defRPr>
+            </a:lvl5pPr>
+            <a:lvl6pPr marL="2743200" marR="0" lvl="5" indent="-355600" algn="l" rtl="0">
+              <a:spcBef>
+                <a:spcPts val="400"/>
+              </a:spcBef>
+              <a:spcAft>
+                <a:spcPts val="0"/>
+              </a:spcAft>
+              <a:buClr>
+                <a:schemeClr val="dk1"/>
+              </a:buClr>
+              <a:buSzPts val="2000"/>
+              <a:buFont typeface="Arial"/>
+              <a:buChar char="•"/>
+              <a:defRPr sz="2000" b="0" i="0" u="none" strike="noStrike" cap="none">
+                <a:solidFill>
+                  <a:schemeClr val="dk1"/>
+                </a:solidFill>
+                <a:latin typeface="Calibri"/>
+                <a:ea typeface="Calibri"/>
+                <a:cs typeface="Calibri"/>
+                <a:sym typeface="Calibri"/>
+              </a:defRPr>
+            </a:lvl6pPr>
+            <a:lvl7pPr marL="3200400" marR="0" lvl="6" indent="-355600" algn="l" rtl="0">
+              <a:spcBef>
+                <a:spcPts val="400"/>
+              </a:spcBef>
+              <a:spcAft>
+                <a:spcPts val="0"/>
+              </a:spcAft>
+              <a:buClr>
+                <a:schemeClr val="dk1"/>
+              </a:buClr>
+              <a:buSzPts val="2000"/>
+              <a:buFont typeface="Arial"/>
+              <a:buChar char="•"/>
+              <a:defRPr sz="2000" b="0" i="0" u="none" strike="noStrike" cap="none">
+                <a:solidFill>
+                  <a:schemeClr val="dk1"/>
+                </a:solidFill>
+                <a:latin typeface="Calibri"/>
+                <a:ea typeface="Calibri"/>
+                <a:cs typeface="Calibri"/>
+                <a:sym typeface="Calibri"/>
+              </a:defRPr>
+            </a:lvl7pPr>
+            <a:lvl8pPr marL="3657600" marR="0" lvl="7" indent="-355600" algn="l" rtl="0">
+              <a:spcBef>
+                <a:spcPts val="400"/>
+              </a:spcBef>
+              <a:spcAft>
+                <a:spcPts val="0"/>
+              </a:spcAft>
+              <a:buClr>
+                <a:schemeClr val="dk1"/>
+              </a:buClr>
+              <a:buSzPts val="2000"/>
+              <a:buFont typeface="Arial"/>
+              <a:buChar char="•"/>
+              <a:defRPr sz="2000" b="0" i="0" u="none" strike="noStrike" cap="none">
+                <a:solidFill>
+                  <a:schemeClr val="dk1"/>
+                </a:solidFill>
+                <a:latin typeface="Calibri"/>
+                <a:ea typeface="Calibri"/>
+                <a:cs typeface="Calibri"/>
+                <a:sym typeface="Calibri"/>
+              </a:defRPr>
+            </a:lvl8pPr>
+            <a:lvl9pPr marL="4114800" marR="0" lvl="8" indent="-355600" algn="l" rtl="0">
+              <a:spcBef>
+                <a:spcPts val="400"/>
+              </a:spcBef>
+              <a:spcAft>
+                <a:spcPts val="0"/>
+              </a:spcAft>
+              <a:buClr>
+                <a:schemeClr val="dk1"/>
+              </a:buClr>
+              <a:buSzPts val="2000"/>
+              <a:buFont typeface="Arial"/>
+              <a:buChar char="•"/>
+              <a:defRPr sz="2000" b="0" i="0" u="none" strike="noStrike" cap="none">
+                <a:solidFill>
+                  <a:schemeClr val="dk1"/>
+                </a:solidFill>
+                <a:latin typeface="Calibri"/>
+                <a:ea typeface="Calibri"/>
+                <a:cs typeface="Calibri"/>
+                <a:sym typeface="Calibri"/>
+              </a:defRPr>
+            </a:lvl9pPr>
+          </a:lstStyle>
+          <a:p>
+            <a:endParaRPr/>
+          </a:p>
+        </p:txBody>
+      </p:sp>
+    </p:spTree>
+  </p:cSld>
+  <p:clrMapOvr>
+    <a:masterClrMapping/>
+  </p:clrMapOvr>
+</p:sldLayout>
+</file>
+
+<file path=ppt/slideLayouts/slideLayout9.xml><?xml version="1.0" encoding="utf-8"?>
+<p:sldLayout xmlns:a="http://schemas.openxmlformats.org/drawingml/2006/main" xmlns:r="http://schemas.openxmlformats.org/officeDocument/2006/relationships" xmlns:p="http://schemas.openxmlformats.org/presentationml/2006/main" matchingName="Picture with Caption">
+  <p:cSld name="Picture with Caption">
+    <p:spTree>
+      <p:nvGrpSpPr>
+        <p:cNvPr id="1" name="Shape 63"/>
+        <p:cNvGrpSpPr/>
+        <p:nvPr/>
+      </p:nvGrpSpPr>
+      <p:grpSpPr>
+        <a:xfrm>
+          <a:off x="0" y="0"/>
+          <a:ext cx="0" cy="0"/>
+          <a:chOff x="0" y="0"/>
+          <a:chExt cx="0" cy="0"/>
+        </a:xfrm>
+      </p:grpSpPr>
+      <p:sp>
+        <p:nvSpPr>
+          <p:cNvPr id="64" name="Shape 64"/>
+          <p:cNvSpPr txBox="1">
+            <a:spLocks noGrp="1"/>
+          </p:cNvSpPr>
+          <p:nvPr>
+            <p:ph type="title"/>
+          </p:nvPr>
+        </p:nvSpPr>
+        <p:spPr>
+          <a:xfrm>
+            <a:off x="2389717" y="4800600"/>
+            <a:ext cx="7315200" cy="566738"/>
+          </a:xfrm>
+          <a:prstGeom prst="rect">
+            <a:avLst/>
+          </a:prstGeom>
+          <a:noFill/>
+          <a:ln>
+            <a:noFill/>
+          </a:ln>
+        </p:spPr>
+        <p:txBody>
+          <a:bodyPr spcFirstLastPara="1" wrap="square" lIns="91425" tIns="91425" rIns="91425" bIns="91425" anchor="b" anchorCtr="0"/>
+          <a:lstStyle>
+            <a:lvl1pPr marL="0" marR="0" lvl="0" indent="0" algn="l" rtl="0">
+              <a:spcBef>
+                <a:spcPts val="0"/>
+              </a:spcBef>
+              <a:spcAft>
+                <a:spcPts val="0"/>
+              </a:spcAft>
+              <a:buClr>
+                <a:srgbClr val="27AAE1"/>
+              </a:buClr>
+              <a:buSzPts val="1400"/>
+              <a:buFont typeface="Calibri"/>
+              <a:buNone/>
+              <a:defRPr sz="2000" b="1" i="0" u="none" strike="noStrike" cap="none">
+                <a:solidFill>
+                  <a:srgbClr val="27AAE1"/>
+                </a:solidFill>
+                <a:latin typeface="Calibri"/>
+                <a:ea typeface="Calibri"/>
+                <a:cs typeface="Calibri"/>
+                <a:sym typeface="Calibri"/>
+              </a:defRPr>
+            </a:lvl1pPr>
+            <a:lvl2pPr lvl="1" indent="0">
+              <a:spcBef>
+                <a:spcPts val="0"/>
+              </a:spcBef>
+              <a:spcAft>
+                <a:spcPts val="0"/>
+              </a:spcAft>
+              <a:buSzPts val="1400"/>
+              <a:buNone/>
+              <a:defRPr sz="1800"/>
+            </a:lvl2pPr>
+            <a:lvl3pPr lvl="2" indent="0">
+              <a:spcBef>
+                <a:spcPts val="0"/>
+              </a:spcBef>
+              <a:spcAft>
+                <a:spcPts val="0"/>
+              </a:spcAft>
+              <a:buSzPts val="1400"/>
+              <a:buNone/>
+              <a:defRPr sz="1800"/>
+            </a:lvl3pPr>
+            <a:lvl4pPr lvl="3" indent="0">
+              <a:spcBef>
+                <a:spcPts val="0"/>
+              </a:spcBef>
+              <a:spcAft>
+                <a:spcPts val="0"/>
+              </a:spcAft>
+              <a:buSzPts val="1400"/>
+              <a:buNone/>
+              <a:defRPr sz="1800"/>
+            </a:lvl4pPr>
+            <a:lvl5pPr lvl="4" indent="0">
+              <a:spcBef>
+                <a:spcPts val="0"/>
+              </a:spcBef>
+              <a:spcAft>
+                <a:spcPts val="0"/>
+              </a:spcAft>
+              <a:buSzPts val="1400"/>
+              <a:buNone/>
+              <a:defRPr sz="1800"/>
+            </a:lvl5pPr>
+            <a:lvl6pPr lvl="5" indent="0">
+              <a:spcBef>
+                <a:spcPts val="0"/>
+              </a:spcBef>
+              <a:spcAft>
+                <a:spcPts val="0"/>
+              </a:spcAft>
+              <a:buSzPts val="1400"/>
+              <a:buNone/>
+              <a:defRPr sz="1800"/>
+            </a:lvl6pPr>
+            <a:lvl7pPr lvl="6" indent="0">
+              <a:spcBef>
+                <a:spcPts val="0"/>
+              </a:spcBef>
+              <a:spcAft>
+                <a:spcPts val="0"/>
+              </a:spcAft>
+              <a:buSzPts val="1400"/>
+              <a:buNone/>
+              <a:defRPr sz="1800"/>
+            </a:lvl7pPr>
+            <a:lvl8pPr lvl="7" indent="0">
+              <a:spcBef>
+                <a:spcPts val="0"/>
+              </a:spcBef>
+              <a:spcAft>
+                <a:spcPts val="0"/>
+              </a:spcAft>
+              <a:buSzPts val="1400"/>
+              <a:buNone/>
+              <a:defRPr sz="1800"/>
+            </a:lvl8pPr>
+            <a:lvl9pPr lvl="8" indent="0">
+              <a:spcBef>
+                <a:spcPts val="0"/>
+              </a:spcBef>
+              <a:spcAft>
+                <a:spcPts val="0"/>
+              </a:spcAft>
+              <a:buSzPts val="1400"/>
+              <a:buNone/>
+              <a:defRPr sz="1800"/>
+            </a:lvl9pPr>
+          </a:lstStyle>
+          <a:p>
+            <a:endParaRPr/>
+          </a:p>
+        </p:txBody>
+      </p:sp>
+      <p:sp>
+        <p:nvSpPr>
+          <p:cNvPr id="65" name="Shape 65"/>
+          <p:cNvSpPr>
+            <a:spLocks noGrp="1"/>
+          </p:cNvSpPr>
+          <p:nvPr>
+            <p:ph type="pic" idx="2"/>
+          </p:nvPr>
+        </p:nvSpPr>
+        <p:spPr>
+          <a:xfrm>
+            <a:off x="2389717" y="1255665"/>
+            <a:ext cx="7315200" cy="3471910"/>
+          </a:xfrm>
+          <a:prstGeom prst="rect">
+            <a:avLst/>
+          </a:prstGeom>
+          <a:noFill/>
+          <a:ln>
+            <a:noFill/>
+          </a:ln>
+        </p:spPr>
+        <p:txBody>
+          <a:bodyPr spcFirstLastPara="1" wrap="square" lIns="91425" tIns="91425" rIns="91425" bIns="91425" anchor="t" anchorCtr="0"/>
+          <a:lstStyle>
+            <a:lvl1pPr marL="0" marR="0" lvl="0" indent="0" algn="l" rtl="0">
+              <a:spcBef>
+                <a:spcPts val="640"/>
+              </a:spcBef>
+              <a:spcAft>
+                <a:spcPts val="0"/>
+              </a:spcAft>
+              <a:buClr>
+                <a:schemeClr val="dk1"/>
+              </a:buClr>
+              <a:buSzPts val="1400"/>
+              <a:buFont typeface="Arial"/>
+              <a:buNone/>
+              <a:defRPr sz="3200" b="0" i="0" u="none" strike="noStrike" cap="none">
+                <a:solidFill>
+                  <a:schemeClr val="dk1"/>
+                </a:solidFill>
+                <a:latin typeface="Calibri"/>
+                <a:ea typeface="Calibri"/>
+                <a:cs typeface="Calibri"/>
+                <a:sym typeface="Calibri"/>
+              </a:defRPr>
+            </a:lvl1pPr>
+            <a:lvl2pPr marL="457200" marR="0" lvl="1" indent="0" algn="l" rtl="0">
+              <a:spcBef>
+                <a:spcPts val="560"/>
+              </a:spcBef>
+              <a:spcAft>
+                <a:spcPts val="0"/>
+              </a:spcAft>
+              <a:buClr>
+                <a:schemeClr val="dk1"/>
+              </a:buClr>
+              <a:buSzPts val="1400"/>
+              <a:buFont typeface="Arial"/>
+              <a:buNone/>
+              <a:defRPr sz="2800" b="0" i="0" u="none" strike="noStrike" cap="none">
+                <a:solidFill>
+                  <a:schemeClr val="dk1"/>
+                </a:solidFill>
+                <a:latin typeface="Calibri"/>
+                <a:ea typeface="Calibri"/>
+                <a:cs typeface="Calibri"/>
+                <a:sym typeface="Calibri"/>
+              </a:defRPr>
+            </a:lvl2pPr>
+            <a:lvl3pPr marL="914400" marR="0" lvl="2" indent="0" algn="l" rtl="0">
+              <a:spcBef>
+                <a:spcPts val="480"/>
+              </a:spcBef>
+              <a:spcAft>
+                <a:spcPts val="0"/>
+              </a:spcAft>
+              <a:buClr>
+                <a:schemeClr val="dk1"/>
+              </a:buClr>
+              <a:buSzPts val="1400"/>
+              <a:buFont typeface="Arial"/>
+              <a:buNone/>
+              <a:defRPr sz="2400" b="0" i="0" u="none" strike="noStrike" cap="none">
+                <a:solidFill>
+                  <a:schemeClr val="dk1"/>
+                </a:solidFill>
+                <a:latin typeface="Calibri"/>
+                <a:ea typeface="Calibri"/>
+                <a:cs typeface="Calibri"/>
+                <a:sym typeface="Calibri"/>
+              </a:defRPr>
+            </a:lvl3pPr>
+            <a:lvl4pPr marL="1371600" marR="0" lvl="3" indent="0" algn="l" rtl="0">
+              <a:spcBef>
+                <a:spcPts val="400"/>
+              </a:spcBef>
+              <a:spcAft>
+                <a:spcPts val="0"/>
+              </a:spcAft>
+              <a:buClr>
+                <a:schemeClr val="dk1"/>
+              </a:buClr>
+              <a:buSzPts val="1400"/>
+              <a:buFont typeface="Arial"/>
+              <a:buNone/>
+              <a:defRPr sz="2000" b="0" i="0" u="none" strike="noStrike" cap="none">
+                <a:solidFill>
+                  <a:schemeClr val="dk1"/>
+                </a:solidFill>
+                <a:latin typeface="Calibri"/>
+                <a:ea typeface="Calibri"/>
+                <a:cs typeface="Calibri"/>
+                <a:sym typeface="Calibri"/>
+              </a:defRPr>
+            </a:lvl4pPr>
+            <a:lvl5pPr marL="1828800" marR="0" lvl="4" indent="0" algn="l" rtl="0">
+              <a:spcBef>
+                <a:spcPts val="400"/>
+              </a:spcBef>
+              <a:spcAft>
+                <a:spcPts val="0"/>
+              </a:spcAft>
+              <a:buClr>
+                <a:schemeClr val="dk1"/>
+              </a:buClr>
+              <a:buSzPts val="1400"/>
+              <a:buFont typeface="Arial"/>
+              <a:buNone/>
+              <a:defRPr sz="2000" b="0" i="0" u="none" strike="noStrike" cap="none">
+                <a:solidFill>
+                  <a:schemeClr val="dk1"/>
+                </a:solidFill>
+                <a:latin typeface="Calibri"/>
+                <a:ea typeface="Calibri"/>
+                <a:cs typeface="Calibri"/>
+                <a:sym typeface="Calibri"/>
+              </a:defRPr>
+            </a:lvl5pPr>
+            <a:lvl6pPr marL="2286000" marR="0" lvl="5" indent="0" algn="l" rtl="0">
+              <a:spcBef>
+                <a:spcPts val="400"/>
+              </a:spcBef>
+              <a:spcAft>
+                <a:spcPts val="0"/>
+              </a:spcAft>
+              <a:buClr>
+                <a:schemeClr val="dk1"/>
+              </a:buClr>
+              <a:buSzPts val="1400"/>
+              <a:buFont typeface="Arial"/>
+              <a:buNone/>
+              <a:defRPr sz="2000" b="0" i="0" u="none" strike="noStrike" cap="none">
+                <a:solidFill>
+                  <a:schemeClr val="dk1"/>
+                </a:solidFill>
+                <a:latin typeface="Calibri"/>
+                <a:ea typeface="Calibri"/>
+                <a:cs typeface="Calibri"/>
+                <a:sym typeface="Calibri"/>
+              </a:defRPr>
+            </a:lvl6pPr>
+            <a:lvl7pPr marL="2743200" marR="0" lvl="6" indent="0" algn="l" rtl="0">
+              <a:spcBef>
+                <a:spcPts val="400"/>
+              </a:spcBef>
+              <a:spcAft>
+                <a:spcPts val="0"/>
+              </a:spcAft>
+              <a:buClr>
+                <a:schemeClr val="dk1"/>
+              </a:buClr>
+              <a:buSzPts val="1400"/>
+              <a:buFont typeface="Arial"/>
+              <a:buNone/>
+              <a:defRPr sz="2000" b="0" i="0" u="none" strike="noStrike" cap="none">
+                <a:solidFill>
+                  <a:schemeClr val="dk1"/>
+                </a:solidFill>
+                <a:latin typeface="Calibri"/>
+                <a:ea typeface="Calibri"/>
+                <a:cs typeface="Calibri"/>
+                <a:sym typeface="Calibri"/>
+              </a:defRPr>
+            </a:lvl7pPr>
+            <a:lvl8pPr marL="3200400" marR="0" lvl="7" indent="0" algn="l" rtl="0">
+              <a:spcBef>
+                <a:spcPts val="400"/>
+              </a:spcBef>
+              <a:spcAft>
+                <a:spcPts val="0"/>
+              </a:spcAft>
+              <a:buClr>
+                <a:schemeClr val="dk1"/>
+              </a:buClr>
+              <a:buSzPts val="1400"/>
+              <a:buFont typeface="Arial"/>
+              <a:buNone/>
+              <a:defRPr sz="2000" b="0" i="0" u="none" strike="noStrike" cap="none">
+                <a:solidFill>
+                  <a:schemeClr val="dk1"/>
+                </a:solidFill>
+                <a:latin typeface="Calibri"/>
+                <a:ea typeface="Calibri"/>
+                <a:cs typeface="Calibri"/>
+                <a:sym typeface="Calibri"/>
+              </a:defRPr>
+            </a:lvl8pPr>
+            <a:lvl9pPr marL="3657600" marR="0" lvl="8" indent="0" algn="l" rtl="0">
+              <a:spcBef>
+                <a:spcPts val="400"/>
+              </a:spcBef>
+              <a:spcAft>
+                <a:spcPts val="0"/>
+              </a:spcAft>
+              <a:buClr>
+                <a:schemeClr val="dk1"/>
+              </a:buClr>
+              <a:buSzPts val="1400"/>
+              <a:buFont typeface="Arial"/>
+              <a:buNone/>
+              <a:defRPr sz="2000" b="0" i="0" u="none" strike="noStrike" cap="none">
+                <a:solidFill>
+                  <a:schemeClr val="dk1"/>
+                </a:solidFill>
+                <a:latin typeface="Calibri"/>
+                <a:ea typeface="Calibri"/>
+                <a:cs typeface="Calibri"/>
+                <a:sym typeface="Calibri"/>
+              </a:defRPr>
+            </a:lvl9pPr>
+          </a:lstStyle>
+          <a:p>
+            <a:endParaRPr/>
+          </a:p>
+        </p:txBody>
+      </p:sp>
+      <p:sp>
+        <p:nvSpPr>
+          <p:cNvPr id="66" name="Shape 66"/>
+          <p:cNvSpPr txBox="1">
+            <a:spLocks noGrp="1"/>
+          </p:cNvSpPr>
+          <p:nvPr>
+            <p:ph type="body" idx="1"/>
+          </p:nvPr>
+        </p:nvSpPr>
+        <p:spPr>
+          <a:xfrm>
+            <a:off x="2389717" y="5367338"/>
+            <a:ext cx="7315200" cy="804862"/>
+          </a:xfrm>
+          <a:prstGeom prst="rect">
+            <a:avLst/>
+          </a:prstGeom>
+          <a:noFill/>
+          <a:ln>
+            <a:noFill/>
+          </a:ln>
+        </p:spPr>
+        <p:txBody>
+          <a:bodyPr spcFirstLastPara="1" wrap="square" lIns="91425" tIns="91425" rIns="91425" bIns="91425" anchor="t" anchorCtr="0"/>
+          <a:lstStyle>
+            <a:lvl1pPr marL="457200" marR="0" lvl="0" indent="-228600" algn="l" rtl="0">
+              <a:spcBef>
+                <a:spcPts val="280"/>
+              </a:spcBef>
+              <a:spcAft>
+                <a:spcPts val="0"/>
+              </a:spcAft>
+              <a:buClr>
+                <a:schemeClr val="dk1"/>
+              </a:buClr>
+              <a:buSzPts val="1400"/>
+              <a:buFont typeface="Arial"/>
+              <a:buNone/>
+              <a:defRPr sz="1400" b="0" i="0" u="none" strike="noStrike" cap="none">
+                <a:solidFill>
+                  <a:schemeClr val="dk1"/>
+                </a:solidFill>
+                <a:latin typeface="Calibri"/>
+                <a:ea typeface="Calibri"/>
+                <a:cs typeface="Calibri"/>
+                <a:sym typeface="Calibri"/>
+              </a:defRPr>
+            </a:lvl1pPr>
+            <a:lvl2pPr marL="914400" marR="0" lvl="1" indent="-228600" algn="l" rtl="0">
+              <a:spcBef>
+                <a:spcPts val="240"/>
+              </a:spcBef>
+              <a:spcAft>
+                <a:spcPts val="0"/>
+              </a:spcAft>
+              <a:buClr>
+                <a:schemeClr val="dk1"/>
+              </a:buClr>
+              <a:buSzPts val="1400"/>
+              <a:buFont typeface="Arial"/>
+              <a:buNone/>
+              <a:defRPr sz="1200" b="0" i="0" u="none" strike="noStrike" cap="none">
+                <a:solidFill>
+                  <a:schemeClr val="dk1"/>
+                </a:solidFill>
+                <a:latin typeface="Calibri"/>
+                <a:ea typeface="Calibri"/>
+                <a:cs typeface="Calibri"/>
+                <a:sym typeface="Calibri"/>
+              </a:defRPr>
+            </a:lvl2pPr>
+            <a:lvl3pPr marL="1371600" marR="0" lvl="2" indent="-228600" algn="l" rtl="0">
+              <a:spcBef>
+                <a:spcPts val="200"/>
+              </a:spcBef>
+              <a:spcAft>
+                <a:spcPts val="0"/>
+              </a:spcAft>
+              <a:buClr>
+                <a:schemeClr val="dk1"/>
+              </a:buClr>
+              <a:buSzPts val="1400"/>
+              <a:buFont typeface="Arial"/>
+              <a:buNone/>
+              <a:defRPr sz="1000" b="0" i="0" u="none" strike="noStrike" cap="none">
+                <a:solidFill>
+                  <a:schemeClr val="dk1"/>
+                </a:solidFill>
+                <a:latin typeface="Calibri"/>
+                <a:ea typeface="Calibri"/>
+                <a:cs typeface="Calibri"/>
+                <a:sym typeface="Calibri"/>
+              </a:defRPr>
+            </a:lvl3pPr>
+            <a:lvl4pPr marL="1828800" marR="0" lvl="3" indent="-228600" algn="l" rtl="0">
+              <a:spcBef>
+                <a:spcPts val="180"/>
+              </a:spcBef>
+              <a:spcAft>
+                <a:spcPts val="0"/>
+              </a:spcAft>
+              <a:buClr>
+                <a:schemeClr val="dk1"/>
+              </a:buClr>
+              <a:buSzPts val="1400"/>
+              <a:buFont typeface="Arial"/>
+              <a:buNone/>
+              <a:defRPr sz="900" b="0" i="0" u="none" strike="noStrike" cap="none">
+                <a:solidFill>
+                  <a:schemeClr val="dk1"/>
+                </a:solidFill>
+                <a:latin typeface="Calibri"/>
+                <a:ea typeface="Calibri"/>
+                <a:cs typeface="Calibri"/>
+                <a:sym typeface="Calibri"/>
+              </a:defRPr>
+            </a:lvl4pPr>
+            <a:lvl5pPr marL="2286000" marR="0" lvl="4" indent="-228600" algn="l" rtl="0">
+              <a:spcBef>
+                <a:spcPts val="180"/>
+              </a:spcBef>
+              <a:spcAft>
+                <a:spcPts val="0"/>
+              </a:spcAft>
+              <a:buClr>
+                <a:schemeClr val="dk1"/>
+              </a:buClr>
+              <a:buSzPts val="1400"/>
+              <a:buFont typeface="Arial"/>
+              <a:buNone/>
+              <a:defRPr sz="900" b="0" i="0" u="none" strike="noStrike" cap="none">
+                <a:solidFill>
+                  <a:schemeClr val="dk1"/>
+                </a:solidFill>
+                <a:latin typeface="Calibri"/>
+                <a:ea typeface="Calibri"/>
+                <a:cs typeface="Calibri"/>
+                <a:sym typeface="Calibri"/>
+              </a:defRPr>
+            </a:lvl5pPr>
+            <a:lvl6pPr marL="2743200" marR="0" lvl="5" indent="-228600" algn="l" rtl="0">
+              <a:spcBef>
+                <a:spcPts val="180"/>
+              </a:spcBef>
+              <a:spcAft>
+                <a:spcPts val="0"/>
+              </a:spcAft>
+              <a:buClr>
+                <a:schemeClr val="dk1"/>
+              </a:buClr>
+              <a:buSzPts val="1400"/>
+              <a:buFont typeface="Arial"/>
+              <a:buNone/>
+              <a:defRPr sz="900" b="0" i="0" u="none" strike="noStrike" cap="none">
+                <a:solidFill>
+                  <a:schemeClr val="dk1"/>
+                </a:solidFill>
+                <a:latin typeface="Calibri"/>
+                <a:ea typeface="Calibri"/>
+                <a:cs typeface="Calibri"/>
+                <a:sym typeface="Calibri"/>
+              </a:defRPr>
+            </a:lvl6pPr>
+            <a:lvl7pPr marL="3200400" marR="0" lvl="6" indent="-228600" algn="l" rtl="0">
+              <a:spcBef>
+                <a:spcPts val="180"/>
+              </a:spcBef>
+              <a:spcAft>
+                <a:spcPts val="0"/>
+              </a:spcAft>
+              <a:buClr>
+                <a:schemeClr val="dk1"/>
+              </a:buClr>
+              <a:buSzPts val="1400"/>
+              <a:buFont typeface="Arial"/>
+              <a:buNone/>
+              <a:defRPr sz="900" b="0" i="0" u="none" strike="noStrike" cap="none">
+                <a:solidFill>
+                  <a:schemeClr val="dk1"/>
+                </a:solidFill>
+                <a:latin typeface="Calibri"/>
+                <a:ea typeface="Calibri"/>
+                <a:cs typeface="Calibri"/>
+                <a:sym typeface="Calibri"/>
+              </a:defRPr>
+            </a:lvl7pPr>
+            <a:lvl8pPr marL="3657600" marR="0" lvl="7" indent="-228600" algn="l" rtl="0">
+              <a:spcBef>
+                <a:spcPts val="180"/>
+              </a:spcBef>
+              <a:spcAft>
+                <a:spcPts val="0"/>
+              </a:spcAft>
+              <a:buClr>
+                <a:schemeClr val="dk1"/>
+              </a:buClr>
+              <a:buSzPts val="1400"/>
+              <a:buFont typeface="Arial"/>
+              <a:buNone/>
+              <a:defRPr sz="900" b="0" i="0" u="none" strike="noStrike" cap="none">
+                <a:solidFill>
+                  <a:schemeClr val="dk1"/>
+                </a:solidFill>
+                <a:latin typeface="Calibri"/>
+                <a:ea typeface="Calibri"/>
+                <a:cs typeface="Calibri"/>
+                <a:sym typeface="Calibri"/>
+              </a:defRPr>
+            </a:lvl8pPr>
+            <a:lvl9pPr marL="4114800" marR="0" lvl="8" indent="-228600" algn="l" rtl="0">
+              <a:spcBef>
+                <a:spcPts val="180"/>
+              </a:spcBef>
+              <a:spcAft>
+                <a:spcPts val="0"/>
+              </a:spcAft>
+              <a:buClr>
+                <a:schemeClr val="dk1"/>
+              </a:buClr>
+              <a:buSzPts val="1400"/>
+              <a:buFont typeface="Arial"/>
+              <a:buNone/>
+              <a:defRPr sz="900" b="0" i="0" u="none" strike="noStrike" cap="none">
+                <a:solidFill>
+                  <a:schemeClr val="dk1"/>
+                </a:solidFill>
+                <a:latin typeface="Calibri"/>
+                <a:ea typeface="Calibri"/>
+                <a:cs typeface="Calibri"/>
+                <a:sym typeface="Calibri"/>
+              </a:defRPr>
+            </a:lvl9pPr>
+          </a:lstStyle>
+          <a:p>
+            <a:endParaRPr/>
+          </a:p>
+        </p:txBody>
+      </p:sp>
+      <p:sp>
+        <p:nvSpPr>
+          <p:cNvPr id="67" name="Shape 67"/>
+          <p:cNvSpPr txBox="1">
+            <a:spLocks noGrp="1"/>
+          </p:cNvSpPr>
+          <p:nvPr>
+            <p:ph type="sldNum" idx="12"/>
+          </p:nvPr>
+        </p:nvSpPr>
+        <p:spPr>
+          <a:xfrm>
+            <a:off x="8737600" y="6441965"/>
+            <a:ext cx="2844800" cy="365125"/>
+          </a:xfrm>
+          <a:prstGeom prst="rect">
+            <a:avLst/>
+          </a:prstGeom>
+          <a:noFill/>
+          <a:ln>
+            <a:noFill/>
+          </a:ln>
+        </p:spPr>
+        <p:txBody>
+          <a:bodyPr spcFirstLastPara="1" wrap="square" lIns="91425" tIns="45700" rIns="91425" bIns="45700" anchor="t" anchorCtr="0">
+            <a:noAutofit/>
+          </a:bodyPr>
+          <a:lstStyle>
+            <a:lvl1pPr marL="0" marR="0" lvl="0" indent="0" algn="r" rtl="0">
+              <a:spcBef>
+                <a:spcPts val="0"/>
+              </a:spcBef>
+              <a:buNone/>
+              <a:defRPr sz="1800" b="0" i="0">
+                <a:solidFill>
+                  <a:schemeClr val="lt1"/>
+                </a:solidFill>
+                <a:latin typeface="Calibri"/>
+                <a:ea typeface="Calibri"/>
+                <a:cs typeface="Calibri"/>
+                <a:sym typeface="Calibri"/>
+              </a:defRPr>
+            </a:lvl1pPr>
+            <a:lvl2pPr marL="0" marR="0" lvl="1" indent="0" algn="r" rtl="0">
+              <a:spcBef>
+                <a:spcPts val="0"/>
+              </a:spcBef>
+              <a:buNone/>
+              <a:defRPr sz="1800" b="0" i="0">
+                <a:solidFill>
+                  <a:schemeClr val="lt1"/>
+                </a:solidFill>
+                <a:latin typeface="Calibri"/>
+                <a:ea typeface="Calibri"/>
+                <a:cs typeface="Calibri"/>
+                <a:sym typeface="Calibri"/>
+              </a:defRPr>
+            </a:lvl2pPr>
+            <a:lvl3pPr marL="0" marR="0" lvl="2" indent="0" algn="r" rtl="0">
+              <a:spcBef>
+                <a:spcPts val="0"/>
+              </a:spcBef>
+              <a:buNone/>
+              <a:defRPr sz="1800" b="0" i="0">
+                <a:solidFill>
+                  <a:schemeClr val="lt1"/>
+                </a:solidFill>
+                <a:latin typeface="Calibri"/>
+                <a:ea typeface="Calibri"/>
+                <a:cs typeface="Calibri"/>
+                <a:sym typeface="Calibri"/>
+              </a:defRPr>
+            </a:lvl3pPr>
+            <a:lvl4pPr marL="0" marR="0" lvl="3" indent="0" algn="r" rtl="0">
+              <a:spcBef>
+                <a:spcPts val="0"/>
+              </a:spcBef>
+              <a:buNone/>
+              <a:defRPr sz="1800" b="0" i="0">
+                <a:solidFill>
+                  <a:schemeClr val="lt1"/>
+                </a:solidFill>
+                <a:latin typeface="Calibri"/>
+                <a:ea typeface="Calibri"/>
+                <a:cs typeface="Calibri"/>
+                <a:sym typeface="Calibri"/>
+              </a:defRPr>
+            </a:lvl4pPr>
+            <a:lvl5pPr marL="0" marR="0" lvl="4" indent="0" algn="r" rtl="0">
+              <a:spcBef>
+                <a:spcPts val="0"/>
+              </a:spcBef>
+              <a:buNone/>
+              <a:defRPr sz="1800" b="0" i="0">
+                <a:solidFill>
+                  <a:schemeClr val="lt1"/>
+                </a:solidFill>
+                <a:latin typeface="Calibri"/>
+                <a:ea typeface="Calibri"/>
+                <a:cs typeface="Calibri"/>
+                <a:sym typeface="Calibri"/>
+              </a:defRPr>
+            </a:lvl5pPr>
+            <a:lvl6pPr marL="0" marR="0" lvl="5" indent="0" algn="r" rtl="0">
+              <a:spcBef>
+                <a:spcPts val="0"/>
+              </a:spcBef>
+              <a:buNone/>
+              <a:defRPr sz="1800" b="0" i="0">
+                <a:solidFill>
+                  <a:schemeClr val="lt1"/>
+                </a:solidFill>
+                <a:latin typeface="Calibri"/>
+                <a:ea typeface="Calibri"/>
+                <a:cs typeface="Calibri"/>
+                <a:sym typeface="Calibri"/>
+              </a:defRPr>
+            </a:lvl6pPr>
+            <a:lvl7pPr marL="0" marR="0" lvl="6" indent="0" algn="r" rtl="0">
+              <a:spcBef>
+                <a:spcPts val="0"/>
+              </a:spcBef>
+              <a:buNone/>
+              <a:defRPr sz="1800" b="0" i="0">
+                <a:solidFill>
+                  <a:schemeClr val="lt1"/>
+                </a:solidFill>
+                <a:latin typeface="Calibri"/>
+                <a:ea typeface="Calibri"/>
+                <a:cs typeface="Calibri"/>
+                <a:sym typeface="Calibri"/>
+              </a:defRPr>
+            </a:lvl7pPr>
+            <a:lvl8pPr marL="0" marR="0" lvl="7" indent="0" algn="r" rtl="0">
+              <a:spcBef>
+                <a:spcPts val="0"/>
+              </a:spcBef>
+              <a:buNone/>
+              <a:defRPr sz="1800" b="0" i="0">
+                <a:solidFill>
+                  <a:schemeClr val="lt1"/>
+                </a:solidFill>
+                <a:latin typeface="Calibri"/>
+                <a:ea typeface="Calibri"/>
+                <a:cs typeface="Calibri"/>
+                <a:sym typeface="Calibri"/>
+              </a:defRPr>
+            </a:lvl8pPr>
+            <a:lvl9pPr marL="0" marR="0" lvl="8" indent="0" algn="r" rtl="0">
+              <a:spcBef>
+                <a:spcPts val="0"/>
+              </a:spcBef>
+              <a:buNone/>
+              <a:defRPr sz="1800" b="0" i="0">
+                <a:solidFill>
+                  <a:schemeClr val="lt1"/>
+                </a:solidFill>
+                <a:latin typeface="Calibri"/>
+                <a:ea typeface="Calibri"/>
+                <a:cs typeface="Calibri"/>
+                <a:sym typeface="Calibri"/>
+              </a:defRPr>
+            </a:lvl9pPr>
+          </a:lstStyle>
+          <a:p>
+            <a:pPr marL="0" lvl="0" indent="0">
+              <a:spcBef>
+                <a:spcPts val="0"/>
+              </a:spcBef>
+              <a:spcAft>
+                <a:spcPts val="0"/>
+              </a:spcAft>
+              <a:buNone/>
+            </a:pPr>
+            <a:fld id="{00000000-1234-1234-1234-123412341234}" type="slidenum">
+              <a:rPr lang="en-US"/>
+              <a:t>‹#›</a:t>
+            </a:fld>
+            <a:endParaRPr/>
+          </a:p>
+        </p:txBody>
+      </p:sp>
+      <p:sp>
+        <p:nvSpPr>
+          <p:cNvPr id="68" name="Shape 68"/>
           <p:cNvSpPr txBox="1">
             <a:spLocks noGrp="1"/>
           </p:cNvSpPr>
@@ -14612,18 +14507,18 @@
   </p:cSld>
   <p:clrMap bg1="lt1" tx1="dk1" bg2="dk2" tx2="lt2" accent1="accent1" accent2="accent2" accent3="accent3" accent4="accent4" accent5="accent5" accent6="accent6" hlink="hlink" folHlink="folHlink"/>
   <p:sldLayoutIdLst>
-    <p:sldLayoutId id="2147483648" r:id="rId1"/>
-    <p:sldLayoutId id="2147483649" r:id="rId2"/>
-    <p:sldLayoutId id="2147483650" r:id="rId3"/>
-    <p:sldLayoutId id="2147483651" r:id="rId4"/>
-    <p:sldLayoutId id="2147483652" r:id="rId5"/>
-    <p:sldLayoutId id="2147483653" r:id="rId6"/>
-    <p:sldLayoutId id="2147483654" r:id="rId7"/>
-    <p:sldLayoutId id="2147483655" r:id="rId8"/>
-    <p:sldLayoutId id="2147483656" r:id="rId9"/>
-    <p:sldLayoutId id="2147483657" r:id="rId10"/>
-    <p:sldLayoutId id="2147483658" r:id="rId11"/>
-    <p:sldLayoutId id="2147483659" r:id="rId12"/>
+    <p:sldLayoutId id="2147483649" r:id="rId1"/>
+    <p:sldLayoutId id="2147483650" r:id="rId2"/>
+    <p:sldLayoutId id="2147483651" r:id="rId3"/>
+    <p:sldLayoutId id="2147483652" r:id="rId4"/>
+    <p:sldLayoutId id="2147483653" r:id="rId5"/>
+    <p:sldLayoutId id="2147483654" r:id="rId6"/>
+    <p:sldLayoutId id="2147483655" r:id="rId7"/>
+    <p:sldLayoutId id="2147483656" r:id="rId8"/>
+    <p:sldLayoutId id="2147483657" r:id="rId9"/>
+    <p:sldLayoutId id="2147483658" r:id="rId10"/>
+    <p:sldLayoutId id="2147483659" r:id="rId11"/>
+    <p:sldLayoutId id="2147483661" r:id="rId12"/>
   </p:sldLayoutIdLst>
   <p:hf sldNum="0" hdr="0" ftr="0" dt="0"/>
   <p:txStyles>
@@ -15323,7 +15218,7 @@
   <p:cSld>
     <p:spTree>
       <p:nvGrpSpPr>
-        <p:cNvPr id="1" name="Shape 82"/>
+        <p:cNvPr id="1" name="Shape 923"/>
         <p:cNvGrpSpPr/>
         <p:nvPr/>
       </p:nvGrpSpPr>
@@ -15335,53 +15230,12 @@
           <a:chExt cx="0" cy="0"/>
         </a:xfrm>
       </p:grpSpPr>
-      <p:sp>
-        <p:nvSpPr>
-          <p:cNvPr id="83" name="Shape 83"/>
-          <p:cNvSpPr txBox="1"/>
-          <p:nvPr/>
-        </p:nvSpPr>
-        <p:spPr>
-          <a:xfrm>
-            <a:off x="3979333" y="152400"/>
-            <a:ext cx="914400" cy="914400"/>
-          </a:xfrm>
-          <a:prstGeom prst="rect">
-            <a:avLst/>
-          </a:prstGeom>
-          <a:noFill/>
-          <a:ln>
-            <a:noFill/>
-          </a:ln>
-        </p:spPr>
-        <p:txBody>
-          <a:bodyPr spcFirstLastPara="1" wrap="square" lIns="91425" tIns="45700" rIns="91425" bIns="45700" anchor="t" anchorCtr="0">
-            <a:noAutofit/>
-          </a:bodyPr>
-          <a:lstStyle/>
-          <a:p>
-            <a:pPr marL="0" marR="0" lvl="0" indent="0" algn="l" rtl="0">
-              <a:spcBef>
-                <a:spcPts val="0"/>
-              </a:spcBef>
-              <a:spcAft>
-                <a:spcPts val="0"/>
-              </a:spcAft>
-              <a:buNone/>
-            </a:pPr>
-            <a:endParaRPr sz="1800">
-              <a:solidFill>
-                <a:schemeClr val="lt1"/>
-              </a:solidFill>
-              <a:latin typeface="Gill Sans"/>
-              <a:ea typeface="Gill Sans"/>
-              <a:cs typeface="Gill Sans"/>
-              <a:sym typeface="Gill Sans"/>
-            </a:endParaRPr>
-          </a:p>
-        </p:txBody>
-      </p:sp>
     </p:spTree>
+    <p:extLst>
+      <p:ext uri="{BB962C8B-B14F-4D97-AF65-F5344CB8AC3E}">
+        <p14:creationId xmlns:p14="http://schemas.microsoft.com/office/powerpoint/2010/main" val="2916693191"/>
+      </p:ext>
+    </p:extLst>
   </p:cSld>
   <p:clrMapOvr>
     <a:masterClrMapping/>
@@ -15694,7 +15548,7 @@
         </p:blipFill>
         <p:spPr>
           <a:xfrm>
-            <a:off x="1276350" y="3813528"/>
+            <a:off x="2584450" y="3807531"/>
             <a:ext cx="5798832" cy="1367649"/>
           </a:xfrm>
           <a:prstGeom prst="rect">
@@ -15718,32 +15572,8 @@
         </p:blipFill>
         <p:spPr>
           <a:xfrm>
-            <a:off x="7592860" y="3813528"/>
+            <a:off x="6196804" y="1581150"/>
             <a:ext cx="3502778" cy="1263297"/>
-          </a:xfrm>
-          <a:prstGeom prst="rect">
-            <a:avLst/>
-          </a:prstGeom>
-        </p:spPr>
-      </p:pic>
-      <p:pic>
-        <p:nvPicPr>
-          <p:cNvPr id="6" name="Picture 5"/>
-          <p:cNvPicPr>
-            <a:picLocks noChangeAspect="1"/>
-          </p:cNvPicPr>
-          <p:nvPr/>
-        </p:nvPicPr>
-        <p:blipFill>
-          <a:blip r:embed="rId6"/>
-          <a:stretch>
-            <a:fillRect/>
-          </a:stretch>
-        </p:blipFill>
-        <p:spPr>
-          <a:xfrm>
-            <a:off x="5223712" y="1539310"/>
-            <a:ext cx="4526687" cy="1299139"/>
           </a:xfrm>
           <a:prstGeom prst="rect">
             <a:avLst/>
@@ -15842,7 +15672,7 @@
                                           </p:stCondLst>
                                         </p:cTn>
                                         <p:tgtEl>
-                                          <p:spTgt spid="6"/>
+                                          <p:spTgt spid="4"/>
                                         </p:tgtEl>
                                         <p:attrNameLst>
                                           <p:attrName>style.visibility</p:attrName>
@@ -15856,7 +15686,7 @@
                                       <p:cBhvr>
                                         <p:cTn id="12" dur="500"/>
                                         <p:tgtEl>
-                                          <p:spTgt spid="6"/>
+                                          <p:spTgt spid="4"/>
                                         </p:tgtEl>
                                       </p:cBhvr>
                                     </p:animEffect>
@@ -15895,7 +15725,7 @@
                                           </p:stCondLst>
                                         </p:cTn>
                                         <p:tgtEl>
-                                          <p:spTgt spid="4"/>
+                                          <p:spTgt spid="5"/>
                                         </p:tgtEl>
                                         <p:attrNameLst>
                                           <p:attrName>style.visibility</p:attrName>
@@ -15908,59 +15738,6 @@
                                     <p:animEffect transition="in" filter="fade">
                                       <p:cBhvr>
                                         <p:cTn id="17" dur="500"/>
-                                        <p:tgtEl>
-                                          <p:spTgt spid="4"/>
-                                        </p:tgtEl>
-                                      </p:cBhvr>
-                                    </p:animEffect>
-                                  </p:childTnLst>
-                                </p:cTn>
-                              </p:par>
-                            </p:childTnLst>
-                          </p:cTn>
-                        </p:par>
-                      </p:childTnLst>
-                    </p:cTn>
-                  </p:par>
-                  <p:par>
-                    <p:cTn id="18" fill="hold">
-                      <p:stCondLst>
-                        <p:cond delay="indefinite"/>
-                      </p:stCondLst>
-                      <p:childTnLst>
-                        <p:par>
-                          <p:cTn id="19" fill="hold">
-                            <p:stCondLst>
-                              <p:cond delay="0"/>
-                            </p:stCondLst>
-                            <p:childTnLst>
-                              <p:par>
-                                <p:cTn id="20" presetID="10" presetClass="entr" presetSubtype="0" fill="hold" nodeType="clickEffect">
-                                  <p:stCondLst>
-                                    <p:cond delay="0"/>
-                                  </p:stCondLst>
-                                  <p:childTnLst>
-                                    <p:set>
-                                      <p:cBhvr>
-                                        <p:cTn id="21" dur="1" fill="hold">
-                                          <p:stCondLst>
-                                            <p:cond delay="0"/>
-                                          </p:stCondLst>
-                                        </p:cTn>
-                                        <p:tgtEl>
-                                          <p:spTgt spid="5"/>
-                                        </p:tgtEl>
-                                        <p:attrNameLst>
-                                          <p:attrName>style.visibility</p:attrName>
-                                        </p:attrNameLst>
-                                      </p:cBhvr>
-                                      <p:to>
-                                        <p:strVal val="visible"/>
-                                      </p:to>
-                                    </p:set>
-                                    <p:animEffect transition="in" filter="fade">
-                                      <p:cBhvr>
-                                        <p:cTn id="22" dur="500"/>
                                         <p:tgtEl>
                                           <p:spTgt spid="5"/>
                                         </p:tgtEl>
@@ -16061,8 +15838,8 @@
         </p:nvSpPr>
         <p:spPr>
           <a:xfrm>
-            <a:off x="389467" y="2512243"/>
-            <a:ext cx="10360049" cy="879543"/>
+            <a:off x="1397985" y="2461443"/>
+            <a:ext cx="10667999" cy="1323157"/>
           </a:xfrm>
           <a:prstGeom prst="rect">
             <a:avLst/>
@@ -16078,7 +15855,7 @@
           </a:bodyPr>
           <a:lstStyle/>
           <a:p>
-            <a:pPr marL="0" marR="0" lvl="0" indent="0" algn="r" rtl="0">
+            <a:pPr marL="0" marR="0" lvl="0" indent="0" algn="l" rtl="0">
               <a:spcBef>
                 <a:spcPts val="0"/>
               </a:spcBef>
@@ -16101,7 +15878,7 @@
                 <a:cs typeface="Calibri"/>
                 <a:sym typeface="Calibri"/>
               </a:rPr>
-              <a:t>BLOCKCHAIN: ETHEREUM </a:t>
+              <a:t>ETHEREUM </a:t>
             </a:r>
             <a:r>
               <a:rPr lang="en-US" sz="3600" b="1" i="0" u="none" strike="noStrike" cap="none" dirty="0">
@@ -16125,7 +15902,11 @@
                 <a:cs typeface="Calibri"/>
                 <a:sym typeface="Calibri"/>
               </a:rPr>
-              <a:t>DECENTRALIZED APP</a:t>
+              <a:t>DECENTRALIZED </a:t>
+            </a:r>
+            <a:r>
+              <a:rPr lang="en-US" sz="3600" dirty="0" smtClean="0"/>
+              <a:t>WEB APPLICATION</a:t>
             </a:r>
             <a:endParaRPr sz="3600" b="1" i="0" u="none" strike="noStrike" cap="none" dirty="0">
               <a:solidFill>
@@ -16412,7 +16193,7 @@
           <a:p>
             <a:pPr marL="342900" lvl="0" indent="-342900"/>
             <a:r>
-              <a:rPr lang="en-US" dirty="0"/>
+              <a:rPr lang="en-US" dirty="0" smtClean="0"/>
               <a:t>Demonstration</a:t>
             </a:r>
             <a:endParaRPr sz="3200" b="0" i="0" u="none" strike="noStrike" cap="none" dirty="0">
@@ -16688,6 +16469,30 @@
           <a:xfrm>
             <a:off x="773084" y="814647"/>
             <a:ext cx="10482349" cy="5487300"/>
+          </a:xfrm>
+          <a:prstGeom prst="rect">
+            <a:avLst/>
+          </a:prstGeom>
+        </p:spPr>
+      </p:pic>
+      <p:pic>
+        <p:nvPicPr>
+          <p:cNvPr id="2" name="Picture 1"/>
+          <p:cNvPicPr>
+            <a:picLocks noChangeAspect="1"/>
+          </p:cNvPicPr>
+          <p:nvPr/>
+        </p:nvPicPr>
+        <p:blipFill>
+          <a:blip r:embed="rId4"/>
+          <a:stretch>
+            <a:fillRect/>
+          </a:stretch>
+        </p:blipFill>
+        <p:spPr>
+          <a:xfrm>
+            <a:off x="876300" y="1206499"/>
+            <a:ext cx="2159000" cy="1796633"/>
           </a:xfrm>
           <a:prstGeom prst="rect">
             <a:avLst/>
@@ -16887,28 +16692,22 @@
       </p:sp>
       <p:pic>
         <p:nvPicPr>
-          <p:cNvPr id="3" name="Picture 2"/>
+          <p:cNvPr id="8" name="Picture 7"/>
           <p:cNvPicPr>
             <a:picLocks noChangeAspect="1"/>
           </p:cNvPicPr>
           <p:nvPr/>
         </p:nvPicPr>
         <p:blipFill>
-          <a:blip r:embed="rId3">
-            <a:extLst>
-              <a:ext uri="{28A0092B-C50C-407E-A947-70E740481C1C}">
-                <a14:useLocalDpi xmlns:a14="http://schemas.microsoft.com/office/drawing/2010/main" val="0"/>
-              </a:ext>
-            </a:extLst>
-          </a:blip>
+          <a:blip r:embed="rId3"/>
           <a:stretch>
             <a:fillRect/>
           </a:stretch>
         </p:blipFill>
         <p:spPr>
           <a:xfrm>
-            <a:off x="729586" y="1285566"/>
-            <a:ext cx="2470814" cy="4211262"/>
+            <a:off x="1219200" y="1143000"/>
+            <a:ext cx="1981200" cy="4267200"/>
           </a:xfrm>
           <a:prstGeom prst="rect">
             <a:avLst/>
@@ -16917,28 +16716,22 @@
       </p:pic>
       <p:pic>
         <p:nvPicPr>
-          <p:cNvPr id="4" name="Picture 3"/>
+          <p:cNvPr id="9" name="Picture 8"/>
           <p:cNvPicPr>
             <a:picLocks noChangeAspect="1"/>
           </p:cNvPicPr>
           <p:nvPr/>
         </p:nvPicPr>
         <p:blipFill>
-          <a:blip r:embed="rId4">
-            <a:extLst>
-              <a:ext uri="{28A0092B-C50C-407E-A947-70E740481C1C}">
-                <a14:useLocalDpi xmlns:a14="http://schemas.microsoft.com/office/drawing/2010/main" val="0"/>
-              </a:ext>
-            </a:extLst>
-          </a:blip>
+          <a:blip r:embed="rId4"/>
           <a:stretch>
             <a:fillRect/>
           </a:stretch>
         </p:blipFill>
         <p:spPr>
           <a:xfrm>
-            <a:off x="4354894" y="1228301"/>
-            <a:ext cx="2434642" cy="4268527"/>
+            <a:off x="4802980" y="1114425"/>
+            <a:ext cx="2009775" cy="4324350"/>
           </a:xfrm>
           <a:prstGeom prst="rect">
             <a:avLst/>
@@ -16947,28 +16740,22 @@
       </p:pic>
       <p:pic>
         <p:nvPicPr>
-          <p:cNvPr id="5" name="Picture 4"/>
+          <p:cNvPr id="10" name="Picture 9"/>
           <p:cNvPicPr>
             <a:picLocks noChangeAspect="1"/>
           </p:cNvPicPr>
           <p:nvPr/>
         </p:nvPicPr>
         <p:blipFill>
-          <a:blip r:embed="rId5">
-            <a:extLst>
-              <a:ext uri="{28A0092B-C50C-407E-A947-70E740481C1C}">
-                <a14:useLocalDpi xmlns:a14="http://schemas.microsoft.com/office/drawing/2010/main" val="0"/>
-              </a:ext>
-            </a:extLst>
-          </a:blip>
+          <a:blip r:embed="rId5"/>
           <a:stretch>
             <a:fillRect/>
           </a:stretch>
         </p:blipFill>
         <p:spPr>
           <a:xfrm>
-            <a:off x="8343609" y="1285565"/>
-            <a:ext cx="2443840" cy="4245389"/>
+            <a:off x="8415336" y="1143000"/>
+            <a:ext cx="1914525" cy="4219575"/>
           </a:xfrm>
           <a:prstGeom prst="rect">
             <a:avLst/>
@@ -16980,11 +16767,11 @@
   <p:clrMapOvr>
     <a:masterClrMapping/>
   </p:clrMapOvr>
-  <mc:AlternateContent xmlns:mc="http://schemas.openxmlformats.org/markup-compatibility/2006" xmlns:p14="http://schemas.microsoft.com/office/powerpoint/2010/main">
-    <mc:Choice Requires="p14">
+  <mc:AlternateContent xmlns:mc="http://schemas.openxmlformats.org/markup-compatibility/2006">
+    <mc:Choice xmlns:p14="http://schemas.microsoft.com/office/powerpoint/2010/main" Requires="p14">
       <p:transition p14:dur="0"/>
     </mc:Choice>
-    <mc:Fallback xmlns="">
+    <mc:Fallback>
       <p:transition/>
     </mc:Fallback>
   </mc:AlternateContent>
@@ -17022,7 +16809,7 @@
                                           </p:stCondLst>
                                         </p:cTn>
                                         <p:tgtEl>
-                                          <p:spTgt spid="3"/>
+                                          <p:spTgt spid="8"/>
                                         </p:tgtEl>
                                         <p:attrNameLst>
                                           <p:attrName>style.visibility</p:attrName>
@@ -17036,7 +16823,7 @@
                                       <p:cBhvr>
                                         <p:cTn id="7" dur="500"/>
                                         <p:tgtEl>
-                                          <p:spTgt spid="3"/>
+                                          <p:spTgt spid="8"/>
                                         </p:tgtEl>
                                       </p:cBhvr>
                                     </p:animEffect>
@@ -17062,7 +16849,7 @@
                             </p:stCondLst>
                             <p:childTnLst>
                               <p:par>
-                                <p:cTn id="10" presetID="16" presetClass="entr" presetSubtype="21" fill="hold" nodeType="clickEffect">
+                                <p:cTn id="10" presetID="10" presetClass="entr" presetSubtype="0" fill="hold" nodeType="clickEffect">
                                   <p:stCondLst>
                                     <p:cond delay="0"/>
                                   </p:stCondLst>
@@ -17075,7 +16862,7 @@
                                           </p:stCondLst>
                                         </p:cTn>
                                         <p:tgtEl>
-                                          <p:spTgt spid="4"/>
+                                          <p:spTgt spid="9"/>
                                         </p:tgtEl>
                                         <p:attrNameLst>
                                           <p:attrName>style.visibility</p:attrName>
@@ -17085,11 +16872,11 @@
                                         <p:strVal val="visible"/>
                                       </p:to>
                                     </p:set>
-                                    <p:animEffect transition="in" filter="barn(inVertical)">
+                                    <p:animEffect transition="in" filter="fade">
                                       <p:cBhvr>
                                         <p:cTn id="12" dur="500"/>
                                         <p:tgtEl>
-                                          <p:spTgt spid="4"/>
+                                          <p:spTgt spid="9"/>
                                         </p:tgtEl>
                                       </p:cBhvr>
                                     </p:animEffect>
@@ -17115,7 +16902,7 @@
                             </p:stCondLst>
                             <p:childTnLst>
                               <p:par>
-                                <p:cTn id="15" presetID="1" presetClass="entr" presetSubtype="0" fill="hold" nodeType="clickEffect">
+                                <p:cTn id="15" presetID="10" presetClass="entr" presetSubtype="0" fill="hold" nodeType="clickEffect">
                                   <p:stCondLst>
                                     <p:cond delay="0"/>
                                   </p:stCondLst>
@@ -17128,7 +16915,7 @@
                                           </p:stCondLst>
                                         </p:cTn>
                                         <p:tgtEl>
-                                          <p:spTgt spid="5"/>
+                                          <p:spTgt spid="10"/>
                                         </p:tgtEl>
                                         <p:attrNameLst>
                                           <p:attrName>style.visibility</p:attrName>
@@ -17138,6 +16925,14 @@
                                         <p:strVal val="visible"/>
                                       </p:to>
                                     </p:set>
+                                    <p:animEffect transition="in" filter="fade">
+                                      <p:cBhvr>
+                                        <p:cTn id="17" dur="500"/>
+                                        <p:tgtEl>
+                                          <p:spTgt spid="10"/>
+                                        </p:tgtEl>
+                                      </p:cBhvr>
+                                    </p:animEffect>
                                   </p:childTnLst>
                                 </p:cTn>
                               </p:par>
@@ -17996,7 +17791,7 @@
                             </p:stCondLst>
                             <p:childTnLst>
                               <p:par>
-                                <p:cTn id="5" presetID="10" presetClass="entr" presetSubtype="0" fill="hold" nodeType="clickEffect">
+                                <p:cTn id="5" presetID="10" presetClass="entr" presetSubtype="0" fill="hold" grpId="0" nodeType="clickEffect">
                                   <p:stCondLst>
                                     <p:cond delay="0"/>
                                   </p:stCondLst>
@@ -18011,7 +17806,7 @@
                                         <p:tgtEl>
                                           <p:spTgt spid="131">
                                             <p:txEl>
-                                              <p:pRg st="1" end="1"/>
+                                              <p:pRg st="0" end="0"/>
                                             </p:txEl>
                                           </p:spTgt>
                                         </p:tgtEl>
@@ -18029,7 +17824,7 @@
                                         <p:tgtEl>
                                           <p:spTgt spid="131">
                                             <p:txEl>
-                                              <p:pRg st="1" end="1"/>
+                                              <p:pRg st="0" end="0"/>
                                             </p:txEl>
                                           </p:spTgt>
                                         </p:tgtEl>
@@ -18057,7 +17852,7 @@
                             </p:stCondLst>
                             <p:childTnLst>
                               <p:par>
-                                <p:cTn id="10" presetID="10" presetClass="entr" presetSubtype="0" fill="hold" nodeType="clickEffect">
+                                <p:cTn id="10" presetID="10" presetClass="entr" presetSubtype="0" fill="hold" grpId="0" nodeType="clickEffect">
                                   <p:stCondLst>
                                     <p:cond delay="0"/>
                                   </p:stCondLst>
@@ -18072,7 +17867,7 @@
                                         <p:tgtEl>
                                           <p:spTgt spid="131">
                                             <p:txEl>
-                                              <p:pRg st="0" end="0"/>
+                                              <p:pRg st="1" end="1"/>
                                             </p:txEl>
                                           </p:spTgt>
                                         </p:tgtEl>
@@ -18090,7 +17885,7 @@
                                         <p:tgtEl>
                                           <p:spTgt spid="131">
                                             <p:txEl>
-                                              <p:pRg st="0" end="0"/>
+                                              <p:pRg st="1" end="1"/>
                                             </p:txEl>
                                           </p:spTgt>
                                         </p:tgtEl>
@@ -18118,7 +17913,7 @@
                             </p:stCondLst>
                             <p:childTnLst>
                               <p:par>
-                                <p:cTn id="15" presetID="10" presetClass="entr" presetSubtype="0" fill="hold" nodeType="clickEffect">
+                                <p:cTn id="15" presetID="10" presetClass="entr" presetSubtype="0" fill="hold" grpId="0" nodeType="clickEffect">
                                   <p:stCondLst>
                                     <p:cond delay="0"/>
                                   </p:stCondLst>
@@ -18179,7 +17974,7 @@
                             </p:stCondLst>
                             <p:childTnLst>
                               <p:par>
-                                <p:cTn id="20" presetID="10" presetClass="entr" presetSubtype="0" fill="hold" nodeType="clickEffect">
+                                <p:cTn id="20" presetID="10" presetClass="entr" presetSubtype="0" fill="hold" grpId="0" nodeType="clickEffect">
                                   <p:stCondLst>
                                     <p:cond delay="0"/>
                                   </p:stCondLst>
@@ -18240,7 +18035,7 @@
                             </p:stCondLst>
                             <p:childTnLst>
                               <p:par>
-                                <p:cTn id="25" presetID="10" presetClass="entr" presetSubtype="0" fill="hold" nodeType="clickEffect">
+                                <p:cTn id="25" presetID="10" presetClass="entr" presetSubtype="0" fill="hold" grpId="0" nodeType="clickEffect">
                                   <p:stCondLst>
                                     <p:cond delay="0"/>
                                   </p:stCondLst>
@@ -18301,7 +18096,7 @@
                             </p:stCondLst>
                             <p:childTnLst>
                               <p:par>
-                                <p:cTn id="30" presetID="10" presetClass="entr" presetSubtype="0" fill="hold" nodeType="clickEffect">
+                                <p:cTn id="30" presetID="10" presetClass="entr" presetSubtype="0" fill="hold" grpId="0" nodeType="clickEffect">
                                   <p:stCondLst>
                                     <p:cond delay="0"/>
                                   </p:stCondLst>
@@ -18370,6 +18165,9 @@
         </p:cTn>
       </p:par>
     </p:tnLst>
+    <p:bldLst>
+      <p:bldP spid="131" grpId="0" build="p"/>
+    </p:bldLst>
   </p:timing>
 </p:sld>
 </file>
